--- a/doc/ppt/迪力尼亚.pptx
+++ b/doc/ppt/迪力尼亚.pptx
@@ -11,6 +11,13 @@
     <p:sldId id="280" r:id="rId5"/>
     <p:sldId id="281" r:id="rId6"/>
     <p:sldId id="282" r:id="rId7"/>
+    <p:sldId id="284" r:id="rId8"/>
+    <p:sldId id="285" r:id="rId9"/>
+    <p:sldId id="286" r:id="rId10"/>
+    <p:sldId id="287" r:id="rId11"/>
+    <p:sldId id="288" r:id="rId12"/>
+    <p:sldId id="283" r:id="rId13"/>
+    <p:sldId id="289" r:id="rId14"/>
   </p:sldIdLst>
   <p:sldSz cx="12192000" cy="6858000"/>
   <p:notesSz cx="6858000" cy="9144000"/>
@@ -296,7 +303,7 @@
     </p:spTree>
     <p:extLst>
       <p:ext uri="{BB962C8B-B14F-4D97-AF65-F5344CB8AC3E}">
-        <p14:creationId xmlns:p14="http://schemas.microsoft.com/office/powerpoint/2010/main" xmlns="" val="1957747793"/>
+        <p14:creationId xmlns="" xmlns:p14="http://schemas.microsoft.com/office/powerpoint/2010/main" val="1957747793"/>
       </p:ext>
     </p:extLst>
   </p:cSld>
@@ -468,7 +475,7 @@
     </p:spTree>
     <p:extLst>
       <p:ext uri="{BB962C8B-B14F-4D97-AF65-F5344CB8AC3E}">
-        <p14:creationId xmlns:p14="http://schemas.microsoft.com/office/powerpoint/2010/main" xmlns="" val="1801979802"/>
+        <p14:creationId xmlns="" xmlns:p14="http://schemas.microsoft.com/office/powerpoint/2010/main" val="1801979802"/>
       </p:ext>
     </p:extLst>
   </p:cSld>
@@ -650,7 +657,7 @@
     </p:spTree>
     <p:extLst>
       <p:ext uri="{BB962C8B-B14F-4D97-AF65-F5344CB8AC3E}">
-        <p14:creationId xmlns:p14="http://schemas.microsoft.com/office/powerpoint/2010/main" xmlns="" val="1315634022"/>
+        <p14:creationId xmlns="" xmlns:p14="http://schemas.microsoft.com/office/powerpoint/2010/main" val="1315634022"/>
       </p:ext>
     </p:extLst>
   </p:cSld>
@@ -822,7 +829,7 @@
     </p:spTree>
     <p:extLst>
       <p:ext uri="{BB962C8B-B14F-4D97-AF65-F5344CB8AC3E}">
-        <p14:creationId xmlns:p14="http://schemas.microsoft.com/office/powerpoint/2010/main" xmlns="" val="1726956429"/>
+        <p14:creationId xmlns="" xmlns:p14="http://schemas.microsoft.com/office/powerpoint/2010/main" val="1726956429"/>
       </p:ext>
     </p:extLst>
   </p:cSld>
@@ -1070,7 +1077,7 @@
     </p:spTree>
     <p:extLst>
       <p:ext uri="{BB962C8B-B14F-4D97-AF65-F5344CB8AC3E}">
-        <p14:creationId xmlns:p14="http://schemas.microsoft.com/office/powerpoint/2010/main" xmlns="" val="336465782"/>
+        <p14:creationId xmlns="" xmlns:p14="http://schemas.microsoft.com/office/powerpoint/2010/main" val="336465782"/>
       </p:ext>
     </p:extLst>
   </p:cSld>
@@ -1304,7 +1311,7 @@
     </p:spTree>
     <p:extLst>
       <p:ext uri="{BB962C8B-B14F-4D97-AF65-F5344CB8AC3E}">
-        <p14:creationId xmlns:p14="http://schemas.microsoft.com/office/powerpoint/2010/main" xmlns="" val="861021530"/>
+        <p14:creationId xmlns="" xmlns:p14="http://schemas.microsoft.com/office/powerpoint/2010/main" val="861021530"/>
       </p:ext>
     </p:extLst>
   </p:cSld>
@@ -1673,7 +1680,7 @@
     </p:spTree>
     <p:extLst>
       <p:ext uri="{BB962C8B-B14F-4D97-AF65-F5344CB8AC3E}">
-        <p14:creationId xmlns:p14="http://schemas.microsoft.com/office/powerpoint/2010/main" xmlns="" val="278722862"/>
+        <p14:creationId xmlns="" xmlns:p14="http://schemas.microsoft.com/office/powerpoint/2010/main" val="278722862"/>
       </p:ext>
     </p:extLst>
   </p:cSld>
@@ -1793,7 +1800,7 @@
     </p:spTree>
     <p:extLst>
       <p:ext uri="{BB962C8B-B14F-4D97-AF65-F5344CB8AC3E}">
-        <p14:creationId xmlns:p14="http://schemas.microsoft.com/office/powerpoint/2010/main" xmlns="" val="233665123"/>
+        <p14:creationId xmlns="" xmlns:p14="http://schemas.microsoft.com/office/powerpoint/2010/main" val="233665123"/>
       </p:ext>
     </p:extLst>
   </p:cSld>
@@ -1890,7 +1897,7 @@
     </p:spTree>
     <p:extLst>
       <p:ext uri="{BB962C8B-B14F-4D97-AF65-F5344CB8AC3E}">
-        <p14:creationId xmlns:p14="http://schemas.microsoft.com/office/powerpoint/2010/main" xmlns="" val="2145174067"/>
+        <p14:creationId xmlns="" xmlns:p14="http://schemas.microsoft.com/office/powerpoint/2010/main" val="2145174067"/>
       </p:ext>
     </p:extLst>
   </p:cSld>
@@ -2169,7 +2176,7 @@
     </p:spTree>
     <p:extLst>
       <p:ext uri="{BB962C8B-B14F-4D97-AF65-F5344CB8AC3E}">
-        <p14:creationId xmlns:p14="http://schemas.microsoft.com/office/powerpoint/2010/main" xmlns="" val="468703135"/>
+        <p14:creationId xmlns="" xmlns:p14="http://schemas.microsoft.com/office/powerpoint/2010/main" val="468703135"/>
       </p:ext>
     </p:extLst>
   </p:cSld>
@@ -2424,7 +2431,7 @@
     </p:spTree>
     <p:extLst>
       <p:ext uri="{BB962C8B-B14F-4D97-AF65-F5344CB8AC3E}">
-        <p14:creationId xmlns:p14="http://schemas.microsoft.com/office/powerpoint/2010/main" xmlns="" val="1101513929"/>
+        <p14:creationId xmlns="" xmlns:p14="http://schemas.microsoft.com/office/powerpoint/2010/main" val="1101513929"/>
       </p:ext>
     </p:extLst>
   </p:cSld>
@@ -2675,7 +2682,7 @@
     </p:spTree>
     <p:extLst>
       <p:ext uri="{BB962C8B-B14F-4D97-AF65-F5344CB8AC3E}">
-        <p14:creationId xmlns:p14="http://schemas.microsoft.com/office/powerpoint/2010/main" xmlns="" val="1714636915"/>
+        <p14:creationId xmlns="" xmlns:p14="http://schemas.microsoft.com/office/powerpoint/2010/main" val="1714636915"/>
       </p:ext>
     </p:extLst>
   </p:cSld>
@@ -3049,7 +3056,1874 @@
     </p:spTree>
     <p:extLst>
       <p:ext uri="{BB962C8B-B14F-4D97-AF65-F5344CB8AC3E}">
-        <p14:creationId xmlns:p14="http://schemas.microsoft.com/office/powerpoint/2010/main" xmlns="" val="424238335"/>
+        <p14:creationId xmlns="" xmlns:p14="http://schemas.microsoft.com/office/powerpoint/2010/main" val="424238335"/>
+      </p:ext>
+    </p:extLst>
+  </p:cSld>
+  <p:clrMapOvr>
+    <a:masterClrMapping/>
+  </p:clrMapOvr>
+</p:sld>
+</file>
+
+<file path=ppt/slides/slide10.xml><?xml version="1.0" encoding="utf-8"?>
+<p:sld xmlns:a="http://schemas.openxmlformats.org/drawingml/2006/main" xmlns:r="http://schemas.openxmlformats.org/officeDocument/2006/relationships" xmlns:p="http://schemas.openxmlformats.org/presentationml/2006/main">
+  <p:cSld>
+    <p:spTree>
+      <p:nvGrpSpPr>
+        <p:cNvPr id="1" name=""/>
+        <p:cNvGrpSpPr/>
+        <p:nvPr/>
+      </p:nvGrpSpPr>
+      <p:grpSpPr>
+        <a:xfrm>
+          <a:off x="0" y="0"/>
+          <a:ext cx="0" cy="0"/>
+          <a:chOff x="0" y="0"/>
+          <a:chExt cx="0" cy="0"/>
+        </a:xfrm>
+      </p:grpSpPr>
+      <p:sp>
+        <p:nvSpPr>
+          <p:cNvPr id="2" name="标题 1"/>
+          <p:cNvSpPr>
+            <a:spLocks noGrp="1"/>
+          </p:cNvSpPr>
+          <p:nvPr>
+            <p:ph type="ctrTitle"/>
+          </p:nvPr>
+        </p:nvSpPr>
+        <p:spPr>
+          <a:xfrm>
+            <a:off x="373626" y="309716"/>
+            <a:ext cx="8198874" cy="840658"/>
+          </a:xfrm>
+        </p:spPr>
+        <p:txBody>
+          <a:bodyPr>
+            <a:normAutofit fontScale="90000"/>
+          </a:bodyPr>
+          <a:lstStyle/>
+          <a:p>
+            <a:pPr algn="l"/>
+            <a:r>
+              <a:rPr lang="zh-CN" altLang="en-US" sz="5400" dirty="0" smtClean="0">
+                <a:latin typeface="+mj-ea"/>
+              </a:rPr>
+              <a:t>自定义</a:t>
+            </a:r>
+            <a:r>
+              <a:rPr lang="en-US" altLang="zh-CN" sz="5400" dirty="0" err="1" smtClean="0">
+                <a:latin typeface="+mj-ea"/>
+              </a:rPr>
+              <a:t>Git</a:t>
+            </a:r>
+            <a:r>
+              <a:rPr lang="en-US" altLang="zh-CN" sz="5400" dirty="0" smtClean="0">
+                <a:latin typeface="+mj-ea"/>
+              </a:rPr>
+              <a:t>-</a:t>
+            </a:r>
+            <a:r>
+              <a:rPr lang="zh-CN" altLang="en-US" sz="5400" dirty="0" smtClean="0">
+                <a:latin typeface="+mj-ea"/>
+              </a:rPr>
+              <a:t>客户端基本配置</a:t>
+            </a:r>
+            <a:endParaRPr lang="zh-CN" altLang="en-US" sz="5400" dirty="0">
+              <a:latin typeface="+mj-ea"/>
+            </a:endParaRPr>
+          </a:p>
+        </p:txBody>
+      </p:sp>
+      <p:sp>
+        <p:nvSpPr>
+          <p:cNvPr id="9" name="副标题 2"/>
+          <p:cNvSpPr>
+            <a:spLocks noGrp="1"/>
+          </p:cNvSpPr>
+          <p:nvPr>
+            <p:ph type="subTitle" idx="1"/>
+          </p:nvPr>
+        </p:nvSpPr>
+        <p:spPr>
+          <a:xfrm>
+            <a:off x="373626" y="1212795"/>
+            <a:ext cx="11336593" cy="830317"/>
+          </a:xfrm>
+        </p:spPr>
+        <p:txBody>
+          <a:bodyPr>
+            <a:noAutofit/>
+          </a:bodyPr>
+          <a:lstStyle/>
+          <a:p>
+            <a:pPr algn="l"/>
+            <a:r>
+              <a:rPr lang="en-US" altLang="zh-CN" sz="1600" b="1" dirty="0" err="1" smtClean="0"/>
+              <a:t>core.pager</a:t>
+            </a:r>
+            <a:endParaRPr lang="en-US" altLang="zh-CN" sz="1600" b="1" dirty="0" smtClean="0"/>
+          </a:p>
+          <a:p>
+            <a:pPr algn="l"/>
+            <a:r>
+              <a:rPr lang="en-US" altLang="zh-CN" sz="1600" dirty="0" err="1" smtClean="0"/>
+              <a:t>core.pager</a:t>
+            </a:r>
+            <a:r>
+              <a:rPr lang="zh-CN" altLang="en-US" sz="1600" dirty="0" smtClean="0"/>
+              <a:t>指定 </a:t>
+            </a:r>
+            <a:r>
+              <a:rPr lang="en-US" altLang="zh-CN" sz="1600" dirty="0" err="1" smtClean="0"/>
+              <a:t>Git</a:t>
+            </a:r>
+            <a:r>
+              <a:rPr lang="en-US" altLang="zh-CN" sz="1600" dirty="0" smtClean="0"/>
+              <a:t> </a:t>
+            </a:r>
+            <a:r>
+              <a:rPr lang="zh-CN" altLang="en-US" sz="1600" dirty="0" smtClean="0"/>
+              <a:t>运行诸如</a:t>
+            </a:r>
+            <a:r>
+              <a:rPr lang="en-US" altLang="zh-CN" sz="1600" dirty="0" smtClean="0"/>
+              <a:t>log</a:t>
+            </a:r>
+            <a:r>
+              <a:rPr lang="zh-CN" altLang="en-US" sz="1600" dirty="0" smtClean="0"/>
+              <a:t>、</a:t>
+            </a:r>
+            <a:r>
+              <a:rPr lang="en-US" altLang="zh-CN" sz="1600" dirty="0" smtClean="0"/>
+              <a:t>diff</a:t>
+            </a:r>
+            <a:r>
+              <a:rPr lang="zh-CN" altLang="en-US" sz="1600" dirty="0" smtClean="0"/>
+              <a:t>等所使用的分页器，你能设置成用</a:t>
+            </a:r>
+            <a:r>
+              <a:rPr lang="en-US" altLang="zh-CN" sz="1600" dirty="0" smtClean="0"/>
+              <a:t>more</a:t>
+            </a:r>
+            <a:r>
+              <a:rPr lang="zh-CN" altLang="en-US" sz="1600" dirty="0" smtClean="0"/>
+              <a:t>或者任何你喜欢的分页器（默认用的是</a:t>
+            </a:r>
+            <a:r>
+              <a:rPr lang="en-US" altLang="zh-CN" sz="1600" dirty="0" smtClean="0"/>
+              <a:t>less</a:t>
+            </a:r>
+            <a:r>
+              <a:rPr lang="zh-CN" altLang="en-US" sz="1600" dirty="0" smtClean="0"/>
+              <a:t>）， 当然你也可以什么都不用，设置空字符串：</a:t>
+            </a:r>
+          </a:p>
+        </p:txBody>
+      </p:sp>
+      <p:sp>
+        <p:nvSpPr>
+          <p:cNvPr id="13" name="副标题 2"/>
+          <p:cNvSpPr txBox="1">
+            <a:spLocks/>
+          </p:cNvSpPr>
+          <p:nvPr/>
+        </p:nvSpPr>
+        <p:spPr>
+          <a:xfrm>
+            <a:off x="373626" y="3048000"/>
+            <a:ext cx="11336593" cy="385762"/>
+          </a:xfrm>
+          <a:prstGeom prst="rect">
+            <a:avLst/>
+          </a:prstGeom>
+        </p:spPr>
+        <p:txBody>
+          <a:bodyPr vert="horz" lIns="91440" tIns="45720" rIns="91440" bIns="45720" rtlCol="0">
+            <a:noAutofit/>
+          </a:bodyPr>
+          <a:lstStyle/>
+          <a:p>
+            <a:pPr lvl="0">
+              <a:lnSpc>
+                <a:spcPct val="90000"/>
+              </a:lnSpc>
+              <a:spcBef>
+                <a:spcPts val="1000"/>
+              </a:spcBef>
+            </a:pPr>
+            <a:r>
+              <a:rPr lang="zh-CN" altLang="en-US" sz="1600" dirty="0" smtClean="0"/>
+              <a:t>这样不管命令的输出量多少，都会在一页显示所有内容。</a:t>
+            </a:r>
+            <a:endParaRPr kumimoji="0" lang="en-US" altLang="zh-CN" sz="1600" b="1" i="0" u="none" strike="noStrike" kern="1200" cap="none" spc="0" normalizeH="0" baseline="0" noProof="0" dirty="0" smtClean="0">
+              <a:ln>
+                <a:noFill/>
+              </a:ln>
+              <a:solidFill>
+                <a:schemeClr val="tx1"/>
+              </a:solidFill>
+              <a:effectLst/>
+              <a:uLnTx/>
+              <a:uFillTx/>
+              <a:latin typeface="+mn-lt"/>
+              <a:ea typeface="+mn-ea"/>
+              <a:cs typeface="+mn-cs"/>
+            </a:endParaRPr>
+          </a:p>
+        </p:txBody>
+      </p:sp>
+      <p:pic>
+        <p:nvPicPr>
+          <p:cNvPr id="6" name="图片 5" descr="7.png"/>
+          <p:cNvPicPr>
+            <a:picLocks noChangeAspect="1"/>
+          </p:cNvPicPr>
+          <p:nvPr/>
+        </p:nvPicPr>
+        <p:blipFill>
+          <a:blip r:embed="rId2"/>
+          <a:stretch>
+            <a:fillRect/>
+          </a:stretch>
+        </p:blipFill>
+        <p:spPr>
+          <a:xfrm>
+            <a:off x="600074" y="2286000"/>
+            <a:ext cx="6448425" cy="762000"/>
+          </a:xfrm>
+          <a:prstGeom prst="rect">
+            <a:avLst/>
+          </a:prstGeom>
+        </p:spPr>
+      </p:pic>
+      <p:sp>
+        <p:nvSpPr>
+          <p:cNvPr id="7" name="副标题 2"/>
+          <p:cNvSpPr txBox="1">
+            <a:spLocks/>
+          </p:cNvSpPr>
+          <p:nvPr/>
+        </p:nvSpPr>
+        <p:spPr>
+          <a:xfrm>
+            <a:off x="373626" y="3433762"/>
+            <a:ext cx="11336593" cy="652463"/>
+          </a:xfrm>
+          <a:prstGeom prst="rect">
+            <a:avLst/>
+          </a:prstGeom>
+        </p:spPr>
+        <p:txBody>
+          <a:bodyPr vert="horz" lIns="91440" tIns="45720" rIns="91440" bIns="45720" rtlCol="0">
+            <a:noAutofit/>
+          </a:bodyPr>
+          <a:lstStyle/>
+          <a:p>
+            <a:r>
+              <a:rPr lang="en-US" altLang="zh-CN" sz="1600" b="1" dirty="0" err="1" smtClean="0"/>
+              <a:t>user.signingkey</a:t>
+            </a:r>
+            <a:endParaRPr lang="en-US" altLang="zh-CN" sz="1600" b="1" dirty="0" smtClean="0"/>
+          </a:p>
+          <a:p>
+            <a:r>
+              <a:rPr lang="zh-CN" altLang="en-US" sz="1600" dirty="0" smtClean="0"/>
+              <a:t>如果你要创建经签署的含附注的标签（正如第二章所述），那么把你的</a:t>
+            </a:r>
+            <a:r>
+              <a:rPr lang="en-US" altLang="zh-CN" sz="1600" dirty="0" smtClean="0"/>
+              <a:t>GPG</a:t>
+            </a:r>
+            <a:r>
+              <a:rPr lang="zh-CN" altLang="en-US" sz="1600" dirty="0" smtClean="0"/>
+              <a:t>签署密钥设置为配置项会更好，设置密钥</a:t>
+            </a:r>
+            <a:r>
+              <a:rPr lang="en-US" altLang="zh-CN" sz="1600" dirty="0" smtClean="0"/>
+              <a:t>ID</a:t>
+            </a:r>
+            <a:r>
+              <a:rPr lang="zh-CN" altLang="en-US" sz="1600" dirty="0" smtClean="0"/>
+              <a:t>如下：</a:t>
+            </a:r>
+            <a:endParaRPr lang="zh-CN" altLang="en-US" sz="1600" dirty="0"/>
+          </a:p>
+        </p:txBody>
+      </p:sp>
+      <p:pic>
+        <p:nvPicPr>
+          <p:cNvPr id="8" name="图片 7" descr="8.png"/>
+          <p:cNvPicPr>
+            <a:picLocks noChangeAspect="1"/>
+          </p:cNvPicPr>
+          <p:nvPr/>
+        </p:nvPicPr>
+        <p:blipFill>
+          <a:blip r:embed="rId3"/>
+          <a:stretch>
+            <a:fillRect/>
+          </a:stretch>
+        </p:blipFill>
+        <p:spPr>
+          <a:xfrm>
+            <a:off x="600074" y="4267200"/>
+            <a:ext cx="4143375" cy="600075"/>
+          </a:xfrm>
+          <a:prstGeom prst="rect">
+            <a:avLst/>
+          </a:prstGeom>
+        </p:spPr>
+      </p:pic>
+      <p:sp>
+        <p:nvSpPr>
+          <p:cNvPr id="10" name="副标题 2"/>
+          <p:cNvSpPr txBox="1">
+            <a:spLocks/>
+          </p:cNvSpPr>
+          <p:nvPr/>
+        </p:nvSpPr>
+        <p:spPr>
+          <a:xfrm>
+            <a:off x="373626" y="5129213"/>
+            <a:ext cx="11336593" cy="385762"/>
+          </a:xfrm>
+          <a:prstGeom prst="rect">
+            <a:avLst/>
+          </a:prstGeom>
+        </p:spPr>
+        <p:txBody>
+          <a:bodyPr vert="horz" lIns="91440" tIns="45720" rIns="91440" bIns="45720" rtlCol="0">
+            <a:noAutofit/>
+          </a:bodyPr>
+          <a:lstStyle/>
+          <a:p>
+            <a:pPr lvl="0">
+              <a:lnSpc>
+                <a:spcPct val="90000"/>
+              </a:lnSpc>
+              <a:spcBef>
+                <a:spcPts val="1000"/>
+              </a:spcBef>
+            </a:pPr>
+            <a:r>
+              <a:rPr lang="zh-CN" altLang="en-US" sz="1600" dirty="0" smtClean="0"/>
+              <a:t>现在你能够签署标签，从而不必每次运行</a:t>
+            </a:r>
+            <a:r>
+              <a:rPr lang="en-US" altLang="zh-CN" sz="1600" dirty="0" err="1" smtClean="0"/>
+              <a:t>git</a:t>
+            </a:r>
+            <a:r>
+              <a:rPr lang="en-US" altLang="zh-CN" sz="1600" dirty="0" smtClean="0"/>
+              <a:t> tag</a:t>
+            </a:r>
+            <a:r>
+              <a:rPr lang="zh-CN" altLang="en-US" sz="1600" dirty="0" smtClean="0"/>
+              <a:t>命令时定义密钥：</a:t>
+            </a:r>
+            <a:endParaRPr kumimoji="0" lang="en-US" altLang="zh-CN" sz="1600" b="1" i="0" u="none" strike="noStrike" kern="1200" cap="none" spc="0" normalizeH="0" baseline="0" noProof="0" dirty="0" smtClean="0">
+              <a:ln>
+                <a:noFill/>
+              </a:ln>
+              <a:solidFill>
+                <a:schemeClr val="tx1"/>
+              </a:solidFill>
+              <a:effectLst/>
+              <a:uLnTx/>
+              <a:uFillTx/>
+              <a:latin typeface="+mn-lt"/>
+              <a:ea typeface="+mn-ea"/>
+              <a:cs typeface="+mn-cs"/>
+            </a:endParaRPr>
+          </a:p>
+        </p:txBody>
+      </p:sp>
+      <p:pic>
+        <p:nvPicPr>
+          <p:cNvPr id="12" name="图片 11" descr="9.png"/>
+          <p:cNvPicPr>
+            <a:picLocks noChangeAspect="1"/>
+          </p:cNvPicPr>
+          <p:nvPr/>
+        </p:nvPicPr>
+        <p:blipFill>
+          <a:blip r:embed="rId4"/>
+          <a:stretch>
+            <a:fillRect/>
+          </a:stretch>
+        </p:blipFill>
+        <p:spPr>
+          <a:xfrm>
+            <a:off x="600074" y="5514975"/>
+            <a:ext cx="3648075" cy="609600"/>
+          </a:xfrm>
+          <a:prstGeom prst="rect">
+            <a:avLst/>
+          </a:prstGeom>
+        </p:spPr>
+      </p:pic>
+    </p:spTree>
+    <p:extLst>
+      <p:ext uri="{BB962C8B-B14F-4D97-AF65-F5344CB8AC3E}">
+        <p14:creationId xmlns="" xmlns:p14="http://schemas.microsoft.com/office/powerpoint/2010/main" val="1866000081"/>
+      </p:ext>
+    </p:extLst>
+  </p:cSld>
+  <p:clrMapOvr>
+    <a:masterClrMapping/>
+  </p:clrMapOvr>
+</p:sld>
+</file>
+
+<file path=ppt/slides/slide11.xml><?xml version="1.0" encoding="utf-8"?>
+<p:sld xmlns:a="http://schemas.openxmlformats.org/drawingml/2006/main" xmlns:r="http://schemas.openxmlformats.org/officeDocument/2006/relationships" xmlns:p="http://schemas.openxmlformats.org/presentationml/2006/main">
+  <p:cSld>
+    <p:spTree>
+      <p:nvGrpSpPr>
+        <p:cNvPr id="1" name=""/>
+        <p:cNvGrpSpPr/>
+        <p:nvPr/>
+      </p:nvGrpSpPr>
+      <p:grpSpPr>
+        <a:xfrm>
+          <a:off x="0" y="0"/>
+          <a:ext cx="0" cy="0"/>
+          <a:chOff x="0" y="0"/>
+          <a:chExt cx="0" cy="0"/>
+        </a:xfrm>
+      </p:grpSpPr>
+      <p:sp>
+        <p:nvSpPr>
+          <p:cNvPr id="2" name="标题 1"/>
+          <p:cNvSpPr>
+            <a:spLocks noGrp="1"/>
+          </p:cNvSpPr>
+          <p:nvPr>
+            <p:ph type="ctrTitle"/>
+          </p:nvPr>
+        </p:nvSpPr>
+        <p:spPr>
+          <a:xfrm>
+            <a:off x="373626" y="309716"/>
+            <a:ext cx="8198874" cy="840658"/>
+          </a:xfrm>
+        </p:spPr>
+        <p:txBody>
+          <a:bodyPr>
+            <a:normAutofit fontScale="90000"/>
+          </a:bodyPr>
+          <a:lstStyle/>
+          <a:p>
+            <a:pPr algn="l"/>
+            <a:r>
+              <a:rPr lang="zh-CN" altLang="en-US" sz="5400" dirty="0" smtClean="0">
+                <a:latin typeface="+mj-ea"/>
+              </a:rPr>
+              <a:t>自定义</a:t>
+            </a:r>
+            <a:r>
+              <a:rPr lang="en-US" altLang="zh-CN" sz="5400" dirty="0" err="1" smtClean="0">
+                <a:latin typeface="+mj-ea"/>
+              </a:rPr>
+              <a:t>Git</a:t>
+            </a:r>
+            <a:r>
+              <a:rPr lang="en-US" altLang="zh-CN" sz="5400" dirty="0" smtClean="0">
+                <a:latin typeface="+mj-ea"/>
+              </a:rPr>
+              <a:t>-</a:t>
+            </a:r>
+            <a:r>
+              <a:rPr lang="zh-CN" altLang="en-US" sz="5400" dirty="0" smtClean="0">
+                <a:latin typeface="+mj-ea"/>
+              </a:rPr>
+              <a:t>客户端基本配置</a:t>
+            </a:r>
+            <a:endParaRPr lang="zh-CN" altLang="en-US" sz="5400" dirty="0">
+              <a:latin typeface="+mj-ea"/>
+            </a:endParaRPr>
+          </a:p>
+        </p:txBody>
+      </p:sp>
+      <p:sp>
+        <p:nvSpPr>
+          <p:cNvPr id="9" name="副标题 2"/>
+          <p:cNvSpPr>
+            <a:spLocks noGrp="1"/>
+          </p:cNvSpPr>
+          <p:nvPr>
+            <p:ph type="subTitle" idx="1"/>
+          </p:nvPr>
+        </p:nvSpPr>
+        <p:spPr>
+          <a:xfrm>
+            <a:off x="373626" y="1212795"/>
+            <a:ext cx="11336593" cy="1358955"/>
+          </a:xfrm>
+        </p:spPr>
+        <p:txBody>
+          <a:bodyPr>
+            <a:noAutofit/>
+          </a:bodyPr>
+          <a:lstStyle/>
+          <a:p>
+            <a:pPr algn="l"/>
+            <a:r>
+              <a:rPr lang="en-US" altLang="zh-CN" sz="1600" b="1" dirty="0" err="1" smtClean="0"/>
+              <a:t>core.excludesfile</a:t>
+            </a:r>
+            <a:endParaRPr lang="en-US" altLang="zh-CN" sz="1600" b="1" dirty="0" smtClean="0"/>
+          </a:p>
+          <a:p>
+            <a:pPr algn="l"/>
+            <a:r>
+              <a:rPr lang="zh-CN" altLang="en-US" sz="1600" dirty="0" smtClean="0"/>
+              <a:t>正如第二章所述，你能在项目库的</a:t>
+            </a:r>
+            <a:r>
+              <a:rPr lang="en-US" altLang="zh-CN" sz="1600" dirty="0" smtClean="0"/>
+              <a:t>.</a:t>
+            </a:r>
+            <a:r>
+              <a:rPr lang="en-US" altLang="zh-CN" sz="1600" dirty="0" err="1" smtClean="0"/>
+              <a:t>gitignore</a:t>
+            </a:r>
+            <a:r>
+              <a:rPr lang="zh-CN" altLang="en-US" sz="1600" dirty="0" smtClean="0"/>
+              <a:t>文件里头用模式来定义那些无需纳入 </a:t>
+            </a:r>
+            <a:r>
+              <a:rPr lang="en-US" altLang="zh-CN" sz="1600" dirty="0" err="1" smtClean="0"/>
+              <a:t>Git</a:t>
+            </a:r>
+            <a:r>
+              <a:rPr lang="en-US" altLang="zh-CN" sz="1600" dirty="0" smtClean="0"/>
+              <a:t> </a:t>
+            </a:r>
+            <a:r>
+              <a:rPr lang="zh-CN" altLang="en-US" sz="1600" dirty="0" smtClean="0"/>
+              <a:t>管理的文件，这样它们不会出现在未跟踪列表， 也不会在你运行</a:t>
+            </a:r>
+            <a:r>
+              <a:rPr lang="en-US" altLang="zh-CN" sz="1600" dirty="0" err="1" smtClean="0"/>
+              <a:t>git</a:t>
+            </a:r>
+            <a:r>
+              <a:rPr lang="en-US" altLang="zh-CN" sz="1600" dirty="0" smtClean="0"/>
+              <a:t> add</a:t>
+            </a:r>
+            <a:r>
+              <a:rPr lang="zh-CN" altLang="en-US" sz="1600" dirty="0" smtClean="0"/>
+              <a:t>后被暂存。然而，如果你想用项目库之外的文件来定义那些需被忽略的文件的话，用</a:t>
+            </a:r>
+            <a:r>
+              <a:rPr lang="en-US" altLang="zh-CN" sz="1600" dirty="0" err="1" smtClean="0"/>
+              <a:t>core.excludesfile</a:t>
+            </a:r>
+            <a:r>
+              <a:rPr lang="en-US" altLang="zh-CN" sz="1600" dirty="0" smtClean="0"/>
+              <a:t> </a:t>
+            </a:r>
+            <a:r>
+              <a:rPr lang="zh-CN" altLang="en-US" sz="1600" dirty="0" smtClean="0"/>
+              <a:t>通知 </a:t>
+            </a:r>
+            <a:r>
+              <a:rPr lang="en-US" altLang="zh-CN" sz="1600" dirty="0" err="1" smtClean="0"/>
+              <a:t>Git</a:t>
+            </a:r>
+            <a:r>
+              <a:rPr lang="en-US" altLang="zh-CN" sz="1600" dirty="0" smtClean="0"/>
+              <a:t> </a:t>
+            </a:r>
+            <a:r>
+              <a:rPr lang="zh-CN" altLang="en-US" sz="1600" dirty="0" smtClean="0"/>
+              <a:t>该文件所处的位置，文件内容和</a:t>
+            </a:r>
+            <a:r>
+              <a:rPr lang="en-US" altLang="zh-CN" sz="1600" dirty="0" smtClean="0"/>
+              <a:t>.</a:t>
+            </a:r>
+            <a:r>
+              <a:rPr lang="en-US" altLang="zh-CN" sz="1600" dirty="0" err="1" smtClean="0"/>
+              <a:t>gitignore</a:t>
+            </a:r>
+            <a:r>
+              <a:rPr lang="zh-CN" altLang="en-US" sz="1600" dirty="0" smtClean="0"/>
+              <a:t>类似。</a:t>
+            </a:r>
+          </a:p>
+        </p:txBody>
+      </p:sp>
+      <p:sp>
+        <p:nvSpPr>
+          <p:cNvPr id="13" name="副标题 2"/>
+          <p:cNvSpPr txBox="1">
+            <a:spLocks/>
+          </p:cNvSpPr>
+          <p:nvPr/>
+        </p:nvSpPr>
+        <p:spPr>
+          <a:xfrm>
+            <a:off x="373626" y="2571750"/>
+            <a:ext cx="11336593" cy="781050"/>
+          </a:xfrm>
+          <a:prstGeom prst="rect">
+            <a:avLst/>
+          </a:prstGeom>
+        </p:spPr>
+        <p:txBody>
+          <a:bodyPr vert="horz" lIns="91440" tIns="45720" rIns="91440" bIns="45720" rtlCol="0">
+            <a:noAutofit/>
+          </a:bodyPr>
+          <a:lstStyle/>
+          <a:p>
+            <a:pPr lvl="0">
+              <a:lnSpc>
+                <a:spcPct val="90000"/>
+              </a:lnSpc>
+              <a:spcBef>
+                <a:spcPts val="1000"/>
+              </a:spcBef>
+            </a:pPr>
+            <a:r>
+              <a:rPr lang="en-US" altLang="zh-CN" sz="1600" b="1" dirty="0" err="1" smtClean="0"/>
+              <a:t>help.autocorrect</a:t>
+            </a:r>
+            <a:endParaRPr lang="en-US" altLang="zh-CN" sz="1600" b="1" dirty="0" smtClean="0"/>
+          </a:p>
+          <a:p>
+            <a:pPr lvl="0">
+              <a:lnSpc>
+                <a:spcPct val="90000"/>
+              </a:lnSpc>
+              <a:spcBef>
+                <a:spcPts val="1000"/>
+              </a:spcBef>
+            </a:pPr>
+            <a:r>
+              <a:rPr lang="zh-CN" altLang="en-US" sz="1600" dirty="0" smtClean="0"/>
+              <a:t>该配置项只在 </a:t>
+            </a:r>
+            <a:r>
+              <a:rPr lang="en-US" altLang="zh-CN" sz="1600" dirty="0" err="1" smtClean="0"/>
+              <a:t>Git</a:t>
+            </a:r>
+            <a:r>
+              <a:rPr lang="en-US" altLang="zh-CN" sz="1600" dirty="0" smtClean="0"/>
+              <a:t> 1.6.1</a:t>
+            </a:r>
+            <a:r>
+              <a:rPr lang="zh-CN" altLang="en-US" sz="1600" dirty="0" smtClean="0"/>
+              <a:t>及以上版本有效，假如你在</a:t>
+            </a:r>
+            <a:r>
+              <a:rPr lang="en-US" altLang="zh-CN" sz="1600" dirty="0" err="1" smtClean="0"/>
+              <a:t>Git</a:t>
+            </a:r>
+            <a:r>
+              <a:rPr lang="en-US" altLang="zh-CN" sz="1600" dirty="0" smtClean="0"/>
+              <a:t> 1.6</a:t>
+            </a:r>
+            <a:r>
+              <a:rPr lang="zh-CN" altLang="en-US" sz="1600" dirty="0" smtClean="0"/>
+              <a:t>中错打了一条命令，会显示：</a:t>
+            </a:r>
+          </a:p>
+        </p:txBody>
+      </p:sp>
+      <p:sp>
+        <p:nvSpPr>
+          <p:cNvPr id="7" name="副标题 2"/>
+          <p:cNvSpPr txBox="1">
+            <a:spLocks/>
+          </p:cNvSpPr>
+          <p:nvPr/>
+        </p:nvSpPr>
+        <p:spPr>
+          <a:xfrm>
+            <a:off x="373626" y="4943475"/>
+            <a:ext cx="11336593" cy="652463"/>
+          </a:xfrm>
+          <a:prstGeom prst="rect">
+            <a:avLst/>
+          </a:prstGeom>
+        </p:spPr>
+        <p:txBody>
+          <a:bodyPr vert="horz" lIns="91440" tIns="45720" rIns="91440" bIns="45720" rtlCol="0">
+            <a:noAutofit/>
+          </a:bodyPr>
+          <a:lstStyle/>
+          <a:p>
+            <a:r>
+              <a:rPr lang="zh-CN" altLang="en-US" sz="1600" dirty="0" smtClean="0"/>
+              <a:t>如果你把</a:t>
+            </a:r>
+            <a:r>
+              <a:rPr lang="en-US" altLang="zh-CN" sz="1600" dirty="0" err="1" smtClean="0"/>
+              <a:t>help.autocorrect</a:t>
+            </a:r>
+            <a:r>
+              <a:rPr lang="zh-CN" altLang="en-US" sz="1600" dirty="0" smtClean="0"/>
+              <a:t>设置成</a:t>
+            </a:r>
+            <a:r>
+              <a:rPr lang="en-US" altLang="zh-CN" sz="1600" dirty="0" smtClean="0"/>
+              <a:t>1</a:t>
+            </a:r>
+            <a:r>
+              <a:rPr lang="zh-CN" altLang="en-US" sz="1600" dirty="0" smtClean="0"/>
+              <a:t>（译注：启动自动修正），那么在只有一个命令被模糊匹配到的情况下，</a:t>
+            </a:r>
+            <a:r>
+              <a:rPr lang="en-US" altLang="zh-CN" sz="1600" dirty="0" err="1" smtClean="0"/>
+              <a:t>Git</a:t>
+            </a:r>
+            <a:r>
+              <a:rPr lang="en-US" altLang="zh-CN" sz="1600" dirty="0" smtClean="0"/>
+              <a:t> </a:t>
+            </a:r>
+            <a:r>
+              <a:rPr lang="zh-CN" altLang="en-US" sz="1600" dirty="0" smtClean="0"/>
+              <a:t>会自动运行该命令。</a:t>
+            </a:r>
+            <a:endParaRPr lang="zh-CN" altLang="en-US" sz="1600" dirty="0"/>
+          </a:p>
+        </p:txBody>
+      </p:sp>
+      <p:pic>
+        <p:nvPicPr>
+          <p:cNvPr id="11" name="图片 10" descr="10.png"/>
+          <p:cNvPicPr>
+            <a:picLocks noChangeAspect="1"/>
+          </p:cNvPicPr>
+          <p:nvPr/>
+        </p:nvPicPr>
+        <p:blipFill>
+          <a:blip r:embed="rId2"/>
+          <a:stretch>
+            <a:fillRect/>
+          </a:stretch>
+        </p:blipFill>
+        <p:spPr>
+          <a:xfrm>
+            <a:off x="373626" y="3429000"/>
+            <a:ext cx="6429375" cy="1333500"/>
+          </a:xfrm>
+          <a:prstGeom prst="rect">
+            <a:avLst/>
+          </a:prstGeom>
+        </p:spPr>
+      </p:pic>
+    </p:spTree>
+    <p:extLst>
+      <p:ext uri="{BB962C8B-B14F-4D97-AF65-F5344CB8AC3E}">
+        <p14:creationId xmlns="" xmlns:p14="http://schemas.microsoft.com/office/powerpoint/2010/main" val="1866000081"/>
+      </p:ext>
+    </p:extLst>
+  </p:cSld>
+  <p:clrMapOvr>
+    <a:masterClrMapping/>
+  </p:clrMapOvr>
+</p:sld>
+</file>
+
+<file path=ppt/slides/slide12.xml><?xml version="1.0" encoding="utf-8"?>
+<p:sld xmlns:a="http://schemas.openxmlformats.org/drawingml/2006/main" xmlns:r="http://schemas.openxmlformats.org/officeDocument/2006/relationships" xmlns:p="http://schemas.openxmlformats.org/presentationml/2006/main">
+  <p:cSld>
+    <p:spTree>
+      <p:nvGrpSpPr>
+        <p:cNvPr id="1" name=""/>
+        <p:cNvGrpSpPr/>
+        <p:nvPr/>
+      </p:nvGrpSpPr>
+      <p:grpSpPr>
+        <a:xfrm>
+          <a:off x="0" y="0"/>
+          <a:ext cx="0" cy="0"/>
+          <a:chOff x="0" y="0"/>
+          <a:chExt cx="0" cy="0"/>
+        </a:xfrm>
+      </p:grpSpPr>
+      <p:sp>
+        <p:nvSpPr>
+          <p:cNvPr id="2" name="标题 1"/>
+          <p:cNvSpPr>
+            <a:spLocks noGrp="1"/>
+          </p:cNvSpPr>
+          <p:nvPr>
+            <p:ph type="ctrTitle"/>
+          </p:nvPr>
+        </p:nvSpPr>
+        <p:spPr>
+          <a:xfrm>
+            <a:off x="373626" y="309716"/>
+            <a:ext cx="7590503" cy="840658"/>
+          </a:xfrm>
+        </p:spPr>
+        <p:txBody>
+          <a:bodyPr>
+            <a:normAutofit/>
+          </a:bodyPr>
+          <a:lstStyle/>
+          <a:p>
+            <a:pPr algn="l"/>
+            <a:r>
+              <a:rPr lang="zh-CN" altLang="en-US" sz="5400" dirty="0" smtClean="0">
+                <a:latin typeface="+mj-ea"/>
+              </a:rPr>
+              <a:t>自定义</a:t>
+            </a:r>
+            <a:r>
+              <a:rPr lang="en-US" altLang="zh-CN" sz="5400" dirty="0" err="1" smtClean="0">
+                <a:latin typeface="+mj-ea"/>
+              </a:rPr>
+              <a:t>Git-Git</a:t>
+            </a:r>
+            <a:r>
+              <a:rPr lang="zh-CN" altLang="en-US" sz="5400" dirty="0" smtClean="0">
+                <a:latin typeface="+mj-ea"/>
+              </a:rPr>
+              <a:t>中的着色</a:t>
+            </a:r>
+            <a:endParaRPr lang="zh-CN" altLang="en-US" sz="5400" dirty="0">
+              <a:latin typeface="+mj-ea"/>
+            </a:endParaRPr>
+          </a:p>
+        </p:txBody>
+      </p:sp>
+      <p:sp>
+        <p:nvSpPr>
+          <p:cNvPr id="9" name="副标题 2"/>
+          <p:cNvSpPr>
+            <a:spLocks noGrp="1"/>
+          </p:cNvSpPr>
+          <p:nvPr>
+            <p:ph type="subTitle" idx="1"/>
+          </p:nvPr>
+        </p:nvSpPr>
+        <p:spPr>
+          <a:xfrm>
+            <a:off x="373626" y="1212796"/>
+            <a:ext cx="11336593" cy="358830"/>
+          </a:xfrm>
+        </p:spPr>
+        <p:txBody>
+          <a:bodyPr>
+            <a:noAutofit/>
+          </a:bodyPr>
+          <a:lstStyle/>
+          <a:p>
+            <a:pPr algn="l"/>
+            <a:r>
+              <a:rPr lang="en-US" altLang="zh-CN" sz="1600" dirty="0" err="1" smtClean="0"/>
+              <a:t>Git</a:t>
+            </a:r>
+            <a:r>
+              <a:rPr lang="zh-CN" altLang="en-US" sz="1600" dirty="0" smtClean="0"/>
+              <a:t>能够为输出到你终端的内容着色，以便你可以凭直观进行快速、简单地分析，有许多选项能供你使用以符合你的偏好。</a:t>
+            </a:r>
+            <a:endParaRPr lang="zh-CN" altLang="en-US" sz="1600" dirty="0" smtClean="0"/>
+          </a:p>
+        </p:txBody>
+      </p:sp>
+      <p:sp>
+        <p:nvSpPr>
+          <p:cNvPr id="10" name="副标题 2"/>
+          <p:cNvSpPr txBox="1">
+            <a:spLocks/>
+          </p:cNvSpPr>
+          <p:nvPr/>
+        </p:nvSpPr>
+        <p:spPr>
+          <a:xfrm>
+            <a:off x="373626" y="3386138"/>
+            <a:ext cx="11336593" cy="294969"/>
+          </a:xfrm>
+          <a:prstGeom prst="rect">
+            <a:avLst/>
+          </a:prstGeom>
+        </p:spPr>
+        <p:txBody>
+          <a:bodyPr vert="horz" lIns="91440" tIns="45720" rIns="91440" bIns="45720" rtlCol="0">
+            <a:noAutofit/>
+          </a:bodyPr>
+          <a:lstStyle>
+            <a:lvl1pPr marL="0" indent="0" algn="ctr" defTabSz="914400" rtl="0" eaLnBrk="1" latinLnBrk="0" hangingPunct="1">
+              <a:lnSpc>
+                <a:spcPct val="90000"/>
+              </a:lnSpc>
+              <a:spcBef>
+                <a:spcPts val="1000"/>
+              </a:spcBef>
+              <a:buFont typeface="Arial"/>
+              <a:buNone/>
+              <a:defRPr sz="2400" kern="1200">
+                <a:solidFill>
+                  <a:schemeClr val="tx1"/>
+                </a:solidFill>
+                <a:latin typeface="+mn-lt"/>
+                <a:ea typeface="+mn-ea"/>
+                <a:cs typeface="+mn-cs"/>
+              </a:defRPr>
+            </a:lvl1pPr>
+            <a:lvl2pPr marL="457200" indent="0" algn="ctr" defTabSz="914400" rtl="0" eaLnBrk="1" latinLnBrk="0" hangingPunct="1">
+              <a:lnSpc>
+                <a:spcPct val="90000"/>
+              </a:lnSpc>
+              <a:spcBef>
+                <a:spcPts val="500"/>
+              </a:spcBef>
+              <a:buFont typeface="Arial"/>
+              <a:buNone/>
+              <a:defRPr sz="2000" kern="1200">
+                <a:solidFill>
+                  <a:schemeClr val="tx1"/>
+                </a:solidFill>
+                <a:latin typeface="+mn-lt"/>
+                <a:ea typeface="+mn-ea"/>
+                <a:cs typeface="+mn-cs"/>
+              </a:defRPr>
+            </a:lvl2pPr>
+            <a:lvl3pPr marL="914400" indent="0" algn="ctr" defTabSz="914400" rtl="0" eaLnBrk="1" latinLnBrk="0" hangingPunct="1">
+              <a:lnSpc>
+                <a:spcPct val="90000"/>
+              </a:lnSpc>
+              <a:spcBef>
+                <a:spcPts val="500"/>
+              </a:spcBef>
+              <a:buFont typeface="Arial"/>
+              <a:buNone/>
+              <a:defRPr sz="1800" kern="1200">
+                <a:solidFill>
+                  <a:schemeClr val="tx1"/>
+                </a:solidFill>
+                <a:latin typeface="+mn-lt"/>
+                <a:ea typeface="+mn-ea"/>
+                <a:cs typeface="+mn-cs"/>
+              </a:defRPr>
+            </a:lvl3pPr>
+            <a:lvl4pPr marL="1371600" indent="0" algn="ctr" defTabSz="914400" rtl="0" eaLnBrk="1" latinLnBrk="0" hangingPunct="1">
+              <a:lnSpc>
+                <a:spcPct val="90000"/>
+              </a:lnSpc>
+              <a:spcBef>
+                <a:spcPts val="500"/>
+              </a:spcBef>
+              <a:buFont typeface="Arial"/>
+              <a:buNone/>
+              <a:defRPr sz="1600" kern="1200">
+                <a:solidFill>
+                  <a:schemeClr val="tx1"/>
+                </a:solidFill>
+                <a:latin typeface="+mn-lt"/>
+                <a:ea typeface="+mn-ea"/>
+                <a:cs typeface="+mn-cs"/>
+              </a:defRPr>
+            </a:lvl4pPr>
+            <a:lvl5pPr marL="1828800" indent="0" algn="ctr" defTabSz="914400" rtl="0" eaLnBrk="1" latinLnBrk="0" hangingPunct="1">
+              <a:lnSpc>
+                <a:spcPct val="90000"/>
+              </a:lnSpc>
+              <a:spcBef>
+                <a:spcPts val="500"/>
+              </a:spcBef>
+              <a:buFont typeface="Arial"/>
+              <a:buNone/>
+              <a:defRPr sz="1600" kern="1200">
+                <a:solidFill>
+                  <a:schemeClr val="tx1"/>
+                </a:solidFill>
+                <a:latin typeface="+mn-lt"/>
+                <a:ea typeface="+mn-ea"/>
+                <a:cs typeface="+mn-cs"/>
+              </a:defRPr>
+            </a:lvl5pPr>
+            <a:lvl6pPr marL="2286000" indent="0" algn="ctr" defTabSz="914400" rtl="0" eaLnBrk="1" latinLnBrk="0" hangingPunct="1">
+              <a:lnSpc>
+                <a:spcPct val="90000"/>
+              </a:lnSpc>
+              <a:spcBef>
+                <a:spcPts val="500"/>
+              </a:spcBef>
+              <a:buFont typeface="Arial"/>
+              <a:buNone/>
+              <a:defRPr sz="1600" kern="1200">
+                <a:solidFill>
+                  <a:schemeClr val="tx1"/>
+                </a:solidFill>
+                <a:latin typeface="+mn-lt"/>
+                <a:ea typeface="+mn-ea"/>
+                <a:cs typeface="+mn-cs"/>
+              </a:defRPr>
+            </a:lvl6pPr>
+            <a:lvl7pPr marL="2743200" indent="0" algn="ctr" defTabSz="914400" rtl="0" eaLnBrk="1" latinLnBrk="0" hangingPunct="1">
+              <a:lnSpc>
+                <a:spcPct val="90000"/>
+              </a:lnSpc>
+              <a:spcBef>
+                <a:spcPts val="500"/>
+              </a:spcBef>
+              <a:buFont typeface="Arial"/>
+              <a:buNone/>
+              <a:defRPr sz="1600" kern="1200">
+                <a:solidFill>
+                  <a:schemeClr val="tx1"/>
+                </a:solidFill>
+                <a:latin typeface="+mn-lt"/>
+                <a:ea typeface="+mn-ea"/>
+                <a:cs typeface="+mn-cs"/>
+              </a:defRPr>
+            </a:lvl7pPr>
+            <a:lvl8pPr marL="3200400" indent="0" algn="ctr" defTabSz="914400" rtl="0" eaLnBrk="1" latinLnBrk="0" hangingPunct="1">
+              <a:lnSpc>
+                <a:spcPct val="90000"/>
+              </a:lnSpc>
+              <a:spcBef>
+                <a:spcPts val="500"/>
+              </a:spcBef>
+              <a:buFont typeface="Arial"/>
+              <a:buNone/>
+              <a:defRPr sz="1600" kern="1200">
+                <a:solidFill>
+                  <a:schemeClr val="tx1"/>
+                </a:solidFill>
+                <a:latin typeface="+mn-lt"/>
+                <a:ea typeface="+mn-ea"/>
+                <a:cs typeface="+mn-cs"/>
+              </a:defRPr>
+            </a:lvl8pPr>
+            <a:lvl9pPr marL="3657600" indent="0" algn="ctr" defTabSz="914400" rtl="0" eaLnBrk="1" latinLnBrk="0" hangingPunct="1">
+              <a:lnSpc>
+                <a:spcPct val="90000"/>
+              </a:lnSpc>
+              <a:spcBef>
+                <a:spcPts val="500"/>
+              </a:spcBef>
+              <a:buFont typeface="Arial"/>
+              <a:buNone/>
+              <a:defRPr sz="1600" kern="1200">
+                <a:solidFill>
+                  <a:schemeClr val="tx1"/>
+                </a:solidFill>
+                <a:latin typeface="+mn-lt"/>
+                <a:ea typeface="+mn-ea"/>
+                <a:cs typeface="+mn-cs"/>
+              </a:defRPr>
+            </a:lvl9pPr>
+          </a:lstStyle>
+          <a:p>
+            <a:pPr algn="l"/>
+            <a:r>
+              <a:rPr lang="zh-CN" altLang="en-US" sz="1600" dirty="0" smtClean="0"/>
+              <a:t>这样，</a:t>
+            </a:r>
+            <a:r>
+              <a:rPr lang="en-US" altLang="zh-CN" sz="1600" dirty="0" err="1" smtClean="0"/>
+              <a:t>Git</a:t>
+            </a:r>
+            <a:r>
+              <a:rPr lang="zh-CN" altLang="en-US" sz="1600" dirty="0" smtClean="0"/>
+              <a:t>会适当地显示不同的颜色，比如</a:t>
+            </a:r>
+            <a:r>
+              <a:rPr lang="en-US" altLang="zh-CN" sz="1600" dirty="0" err="1" smtClean="0"/>
+              <a:t>git</a:t>
+            </a:r>
+            <a:r>
+              <a:rPr lang="en-US" altLang="zh-CN" sz="1600" dirty="0" smtClean="0"/>
+              <a:t> status</a:t>
+            </a:r>
+            <a:r>
+              <a:rPr lang="zh-CN" altLang="en-US" sz="1600" dirty="0" smtClean="0"/>
+              <a:t>命令：</a:t>
+            </a:r>
+            <a:endParaRPr lang="zh-CN" altLang="en-US" sz="1600" dirty="0"/>
+          </a:p>
+        </p:txBody>
+      </p:sp>
+      <p:sp>
+        <p:nvSpPr>
+          <p:cNvPr id="7" name="副标题 2"/>
+          <p:cNvSpPr txBox="1">
+            <a:spLocks/>
+          </p:cNvSpPr>
+          <p:nvPr/>
+        </p:nvSpPr>
+        <p:spPr>
+          <a:xfrm>
+            <a:off x="373626" y="5886450"/>
+            <a:ext cx="11336593" cy="294969"/>
+          </a:xfrm>
+          <a:prstGeom prst="rect">
+            <a:avLst/>
+          </a:prstGeom>
+        </p:spPr>
+        <p:txBody>
+          <a:bodyPr vert="horz" lIns="91440" tIns="45720" rIns="91440" bIns="45720" rtlCol="0">
+            <a:noAutofit/>
+          </a:bodyPr>
+          <a:lstStyle>
+            <a:lvl1pPr marL="0" indent="0" algn="ctr" defTabSz="914400" rtl="0" eaLnBrk="1" latinLnBrk="0" hangingPunct="1">
+              <a:lnSpc>
+                <a:spcPct val="90000"/>
+              </a:lnSpc>
+              <a:spcBef>
+                <a:spcPts val="1000"/>
+              </a:spcBef>
+              <a:buFont typeface="Arial"/>
+              <a:buNone/>
+              <a:defRPr sz="2400" kern="1200">
+                <a:solidFill>
+                  <a:schemeClr val="tx1"/>
+                </a:solidFill>
+                <a:latin typeface="+mn-lt"/>
+                <a:ea typeface="+mn-ea"/>
+                <a:cs typeface="+mn-cs"/>
+              </a:defRPr>
+            </a:lvl1pPr>
+            <a:lvl2pPr marL="457200" indent="0" algn="ctr" defTabSz="914400" rtl="0" eaLnBrk="1" latinLnBrk="0" hangingPunct="1">
+              <a:lnSpc>
+                <a:spcPct val="90000"/>
+              </a:lnSpc>
+              <a:spcBef>
+                <a:spcPts val="500"/>
+              </a:spcBef>
+              <a:buFont typeface="Arial"/>
+              <a:buNone/>
+              <a:defRPr sz="2000" kern="1200">
+                <a:solidFill>
+                  <a:schemeClr val="tx1"/>
+                </a:solidFill>
+                <a:latin typeface="+mn-lt"/>
+                <a:ea typeface="+mn-ea"/>
+                <a:cs typeface="+mn-cs"/>
+              </a:defRPr>
+            </a:lvl2pPr>
+            <a:lvl3pPr marL="914400" indent="0" algn="ctr" defTabSz="914400" rtl="0" eaLnBrk="1" latinLnBrk="0" hangingPunct="1">
+              <a:lnSpc>
+                <a:spcPct val="90000"/>
+              </a:lnSpc>
+              <a:spcBef>
+                <a:spcPts val="500"/>
+              </a:spcBef>
+              <a:buFont typeface="Arial"/>
+              <a:buNone/>
+              <a:defRPr sz="1800" kern="1200">
+                <a:solidFill>
+                  <a:schemeClr val="tx1"/>
+                </a:solidFill>
+                <a:latin typeface="+mn-lt"/>
+                <a:ea typeface="+mn-ea"/>
+                <a:cs typeface="+mn-cs"/>
+              </a:defRPr>
+            </a:lvl3pPr>
+            <a:lvl4pPr marL="1371600" indent="0" algn="ctr" defTabSz="914400" rtl="0" eaLnBrk="1" latinLnBrk="0" hangingPunct="1">
+              <a:lnSpc>
+                <a:spcPct val="90000"/>
+              </a:lnSpc>
+              <a:spcBef>
+                <a:spcPts val="500"/>
+              </a:spcBef>
+              <a:buFont typeface="Arial"/>
+              <a:buNone/>
+              <a:defRPr sz="1600" kern="1200">
+                <a:solidFill>
+                  <a:schemeClr val="tx1"/>
+                </a:solidFill>
+                <a:latin typeface="+mn-lt"/>
+                <a:ea typeface="+mn-ea"/>
+                <a:cs typeface="+mn-cs"/>
+              </a:defRPr>
+            </a:lvl4pPr>
+            <a:lvl5pPr marL="1828800" indent="0" algn="ctr" defTabSz="914400" rtl="0" eaLnBrk="1" latinLnBrk="0" hangingPunct="1">
+              <a:lnSpc>
+                <a:spcPct val="90000"/>
+              </a:lnSpc>
+              <a:spcBef>
+                <a:spcPts val="500"/>
+              </a:spcBef>
+              <a:buFont typeface="Arial"/>
+              <a:buNone/>
+              <a:defRPr sz="1600" kern="1200">
+                <a:solidFill>
+                  <a:schemeClr val="tx1"/>
+                </a:solidFill>
+                <a:latin typeface="+mn-lt"/>
+                <a:ea typeface="+mn-ea"/>
+                <a:cs typeface="+mn-cs"/>
+              </a:defRPr>
+            </a:lvl5pPr>
+            <a:lvl6pPr marL="2286000" indent="0" algn="ctr" defTabSz="914400" rtl="0" eaLnBrk="1" latinLnBrk="0" hangingPunct="1">
+              <a:lnSpc>
+                <a:spcPct val="90000"/>
+              </a:lnSpc>
+              <a:spcBef>
+                <a:spcPts val="500"/>
+              </a:spcBef>
+              <a:buFont typeface="Arial"/>
+              <a:buNone/>
+              <a:defRPr sz="1600" kern="1200">
+                <a:solidFill>
+                  <a:schemeClr val="tx1"/>
+                </a:solidFill>
+                <a:latin typeface="+mn-lt"/>
+                <a:ea typeface="+mn-ea"/>
+                <a:cs typeface="+mn-cs"/>
+              </a:defRPr>
+            </a:lvl6pPr>
+            <a:lvl7pPr marL="2743200" indent="0" algn="ctr" defTabSz="914400" rtl="0" eaLnBrk="1" latinLnBrk="0" hangingPunct="1">
+              <a:lnSpc>
+                <a:spcPct val="90000"/>
+              </a:lnSpc>
+              <a:spcBef>
+                <a:spcPts val="500"/>
+              </a:spcBef>
+              <a:buFont typeface="Arial"/>
+              <a:buNone/>
+              <a:defRPr sz="1600" kern="1200">
+                <a:solidFill>
+                  <a:schemeClr val="tx1"/>
+                </a:solidFill>
+                <a:latin typeface="+mn-lt"/>
+                <a:ea typeface="+mn-ea"/>
+                <a:cs typeface="+mn-cs"/>
+              </a:defRPr>
+            </a:lvl7pPr>
+            <a:lvl8pPr marL="3200400" indent="0" algn="ctr" defTabSz="914400" rtl="0" eaLnBrk="1" latinLnBrk="0" hangingPunct="1">
+              <a:lnSpc>
+                <a:spcPct val="90000"/>
+              </a:lnSpc>
+              <a:spcBef>
+                <a:spcPts val="500"/>
+              </a:spcBef>
+              <a:buFont typeface="Arial"/>
+              <a:buNone/>
+              <a:defRPr sz="1600" kern="1200">
+                <a:solidFill>
+                  <a:schemeClr val="tx1"/>
+                </a:solidFill>
+                <a:latin typeface="+mn-lt"/>
+                <a:ea typeface="+mn-ea"/>
+                <a:cs typeface="+mn-cs"/>
+              </a:defRPr>
+            </a:lvl8pPr>
+            <a:lvl9pPr marL="3657600" indent="0" algn="ctr" defTabSz="914400" rtl="0" eaLnBrk="1" latinLnBrk="0" hangingPunct="1">
+              <a:lnSpc>
+                <a:spcPct val="90000"/>
+              </a:lnSpc>
+              <a:spcBef>
+                <a:spcPts val="500"/>
+              </a:spcBef>
+              <a:buFont typeface="Arial"/>
+              <a:buNone/>
+              <a:defRPr sz="1600" kern="1200">
+                <a:solidFill>
+                  <a:schemeClr val="tx1"/>
+                </a:solidFill>
+                <a:latin typeface="+mn-lt"/>
+                <a:ea typeface="+mn-ea"/>
+                <a:cs typeface="+mn-cs"/>
+              </a:defRPr>
+            </a:lvl9pPr>
+          </a:lstStyle>
+          <a:p>
+            <a:pPr algn="l"/>
+            <a:r>
+              <a:rPr lang="zh-CN" altLang="en-US" sz="1600" dirty="0" smtClean="0"/>
+              <a:t>文件名就会标上颜色。</a:t>
+            </a:r>
+            <a:endParaRPr lang="zh-CN" altLang="en-US" sz="1600" dirty="0"/>
+          </a:p>
+        </p:txBody>
+      </p:sp>
+      <p:pic>
+        <p:nvPicPr>
+          <p:cNvPr id="8" name="图片 7" descr="7.png"/>
+          <p:cNvPicPr>
+            <a:picLocks noChangeAspect="1"/>
+          </p:cNvPicPr>
+          <p:nvPr/>
+        </p:nvPicPr>
+        <p:blipFill>
+          <a:blip r:embed="rId2"/>
+          <a:stretch>
+            <a:fillRect/>
+          </a:stretch>
+        </p:blipFill>
+        <p:spPr>
+          <a:xfrm>
+            <a:off x="642936" y="2514600"/>
+            <a:ext cx="6515101" cy="620017"/>
+          </a:xfrm>
+          <a:prstGeom prst="rect">
+            <a:avLst/>
+          </a:prstGeom>
+        </p:spPr>
+      </p:pic>
+      <p:pic>
+        <p:nvPicPr>
+          <p:cNvPr id="11" name="图片 10" descr="8.png"/>
+          <p:cNvPicPr>
+            <a:picLocks noChangeAspect="1"/>
+          </p:cNvPicPr>
+          <p:nvPr/>
+        </p:nvPicPr>
+        <p:blipFill>
+          <a:blip r:embed="rId3"/>
+          <a:stretch>
+            <a:fillRect/>
+          </a:stretch>
+        </p:blipFill>
+        <p:spPr>
+          <a:xfrm>
+            <a:off x="642936" y="3952875"/>
+            <a:ext cx="6238875" cy="1933575"/>
+          </a:xfrm>
+          <a:prstGeom prst="rect">
+            <a:avLst/>
+          </a:prstGeom>
+        </p:spPr>
+      </p:pic>
+      <p:sp>
+        <p:nvSpPr>
+          <p:cNvPr id="12" name="副标题 2"/>
+          <p:cNvSpPr txBox="1">
+            <a:spLocks/>
+          </p:cNvSpPr>
+          <p:nvPr/>
+        </p:nvSpPr>
+        <p:spPr>
+          <a:xfrm>
+            <a:off x="526026" y="1598558"/>
+            <a:ext cx="11336593" cy="916042"/>
+          </a:xfrm>
+          <a:prstGeom prst="rect">
+            <a:avLst/>
+          </a:prstGeom>
+        </p:spPr>
+        <p:txBody>
+          <a:bodyPr vert="horz" lIns="91440" tIns="45720" rIns="91440" bIns="45720" rtlCol="0">
+            <a:noAutofit/>
+          </a:bodyPr>
+          <a:lstStyle/>
+          <a:p>
+            <a:r>
+              <a:rPr lang="en-US" altLang="zh-CN" sz="1600" b="1" dirty="0" err="1" smtClean="0"/>
+              <a:t>color.ui</a:t>
+            </a:r>
+            <a:endParaRPr lang="en-US" altLang="zh-CN" sz="1600" b="1" dirty="0" smtClean="0"/>
+          </a:p>
+          <a:p>
+            <a:r>
+              <a:rPr lang="en-US" altLang="zh-CN" sz="1600" dirty="0" err="1" smtClean="0"/>
+              <a:t>Git</a:t>
+            </a:r>
+            <a:r>
+              <a:rPr lang="zh-CN" altLang="en-US" sz="1600" dirty="0" smtClean="0"/>
+              <a:t>会按照你需要自动为大部分的输出加上颜色，你能明确地规定哪些需要着色以及怎样着色，设置</a:t>
+            </a:r>
+            <a:r>
+              <a:rPr lang="en-US" altLang="zh-CN" sz="1600" dirty="0" err="1" smtClean="0"/>
+              <a:t>color.ui</a:t>
+            </a:r>
+            <a:r>
+              <a:rPr lang="zh-CN" altLang="en-US" sz="1600" dirty="0" smtClean="0"/>
+              <a:t>为</a:t>
+            </a:r>
+            <a:r>
+              <a:rPr lang="en-US" altLang="zh-CN" sz="1600" dirty="0" smtClean="0"/>
+              <a:t>true</a:t>
+            </a:r>
+            <a:r>
+              <a:rPr lang="zh-CN" altLang="en-US" sz="1600" dirty="0" smtClean="0"/>
+              <a:t>来打开所有的默认终端着色。</a:t>
+            </a:r>
+            <a:endParaRPr lang="zh-CN" altLang="en-US" sz="1600" dirty="0"/>
+          </a:p>
+        </p:txBody>
+      </p:sp>
+    </p:spTree>
+    <p:extLst>
+      <p:ext uri="{BB962C8B-B14F-4D97-AF65-F5344CB8AC3E}">
+        <p14:creationId xmlns="" xmlns:p14="http://schemas.microsoft.com/office/powerpoint/2010/main" val="1866000081"/>
+      </p:ext>
+    </p:extLst>
+  </p:cSld>
+  <p:clrMapOvr>
+    <a:masterClrMapping/>
+  </p:clrMapOvr>
+</p:sld>
+</file>
+
+<file path=ppt/slides/slide13.xml><?xml version="1.0" encoding="utf-8"?>
+<p:sld xmlns:a="http://schemas.openxmlformats.org/drawingml/2006/main" xmlns:r="http://schemas.openxmlformats.org/officeDocument/2006/relationships" xmlns:p="http://schemas.openxmlformats.org/presentationml/2006/main">
+  <p:cSld>
+    <p:spTree>
+      <p:nvGrpSpPr>
+        <p:cNvPr id="1" name=""/>
+        <p:cNvGrpSpPr/>
+        <p:nvPr/>
+      </p:nvGrpSpPr>
+      <p:grpSpPr>
+        <a:xfrm>
+          <a:off x="0" y="0"/>
+          <a:ext cx="0" cy="0"/>
+          <a:chOff x="0" y="0"/>
+          <a:chExt cx="0" cy="0"/>
+        </a:xfrm>
+      </p:grpSpPr>
+      <p:sp>
+        <p:nvSpPr>
+          <p:cNvPr id="2" name="标题 1"/>
+          <p:cNvSpPr>
+            <a:spLocks noGrp="1"/>
+          </p:cNvSpPr>
+          <p:nvPr>
+            <p:ph type="ctrTitle"/>
+          </p:nvPr>
+        </p:nvSpPr>
+        <p:spPr>
+          <a:xfrm>
+            <a:off x="373626" y="309716"/>
+            <a:ext cx="7590503" cy="840658"/>
+          </a:xfrm>
+        </p:spPr>
+        <p:txBody>
+          <a:bodyPr>
+            <a:normAutofit/>
+          </a:bodyPr>
+          <a:lstStyle/>
+          <a:p>
+            <a:pPr algn="l"/>
+            <a:r>
+              <a:rPr lang="zh-CN" altLang="en-US" sz="5400" dirty="0" smtClean="0">
+                <a:latin typeface="+mj-ea"/>
+              </a:rPr>
+              <a:t>自定义</a:t>
+            </a:r>
+            <a:r>
+              <a:rPr lang="en-US" altLang="zh-CN" sz="5400" dirty="0" err="1" smtClean="0">
+                <a:latin typeface="+mj-ea"/>
+              </a:rPr>
+              <a:t>Git-Git</a:t>
+            </a:r>
+            <a:r>
+              <a:rPr lang="zh-CN" altLang="en-US" sz="5400" dirty="0" smtClean="0">
+                <a:latin typeface="+mj-ea"/>
+              </a:rPr>
+              <a:t>中的着色</a:t>
+            </a:r>
+            <a:endParaRPr lang="zh-CN" altLang="en-US" sz="5400" dirty="0">
+              <a:latin typeface="+mj-ea"/>
+            </a:endParaRPr>
+          </a:p>
+        </p:txBody>
+      </p:sp>
+      <p:sp>
+        <p:nvSpPr>
+          <p:cNvPr id="9" name="副标题 2"/>
+          <p:cNvSpPr>
+            <a:spLocks noGrp="1"/>
+          </p:cNvSpPr>
+          <p:nvPr>
+            <p:ph type="subTitle" idx="1"/>
+          </p:nvPr>
+        </p:nvSpPr>
+        <p:spPr>
+          <a:xfrm>
+            <a:off x="373626" y="1212796"/>
+            <a:ext cx="11336593" cy="616004"/>
+          </a:xfrm>
+        </p:spPr>
+        <p:txBody>
+          <a:bodyPr>
+            <a:noAutofit/>
+          </a:bodyPr>
+          <a:lstStyle/>
+          <a:p>
+            <a:pPr algn="l"/>
+            <a:r>
+              <a:rPr lang="zh-CN" altLang="en-US" sz="1600" dirty="0" smtClean="0"/>
+              <a:t>除此之外，以上每个选项都有子选项，可以被用来覆盖其父设置，以达到为输出的各个部分着色的目的。例如，让</a:t>
+            </a:r>
+            <a:r>
+              <a:rPr lang="en-US" altLang="zh-CN" sz="1600" dirty="0" smtClean="0"/>
+              <a:t>diff</a:t>
+            </a:r>
+            <a:r>
+              <a:rPr lang="zh-CN" altLang="en-US" sz="1600" dirty="0" smtClean="0"/>
+              <a:t>输出的改变信息以粗体、蓝色前景和黑色背景的形式显示：</a:t>
+            </a:r>
+            <a:endParaRPr lang="zh-CN" altLang="en-US" sz="1600" dirty="0" smtClean="0"/>
+          </a:p>
+        </p:txBody>
+      </p:sp>
+      <p:sp>
+        <p:nvSpPr>
+          <p:cNvPr id="10" name="副标题 2"/>
+          <p:cNvSpPr txBox="1">
+            <a:spLocks/>
+          </p:cNvSpPr>
+          <p:nvPr/>
+        </p:nvSpPr>
+        <p:spPr>
+          <a:xfrm>
+            <a:off x="373626" y="3386138"/>
+            <a:ext cx="11336593" cy="1271587"/>
+          </a:xfrm>
+          <a:prstGeom prst="rect">
+            <a:avLst/>
+          </a:prstGeom>
+        </p:spPr>
+        <p:txBody>
+          <a:bodyPr vert="horz" lIns="91440" tIns="45720" rIns="91440" bIns="45720" rtlCol="0">
+            <a:noAutofit/>
+          </a:bodyPr>
+          <a:lstStyle>
+            <a:lvl1pPr marL="0" indent="0" algn="ctr" defTabSz="914400" rtl="0" eaLnBrk="1" latinLnBrk="0" hangingPunct="1">
+              <a:lnSpc>
+                <a:spcPct val="90000"/>
+              </a:lnSpc>
+              <a:spcBef>
+                <a:spcPts val="1000"/>
+              </a:spcBef>
+              <a:buFont typeface="Arial"/>
+              <a:buNone/>
+              <a:defRPr sz="2400" kern="1200">
+                <a:solidFill>
+                  <a:schemeClr val="tx1"/>
+                </a:solidFill>
+                <a:latin typeface="+mn-lt"/>
+                <a:ea typeface="+mn-ea"/>
+                <a:cs typeface="+mn-cs"/>
+              </a:defRPr>
+            </a:lvl1pPr>
+            <a:lvl2pPr marL="457200" indent="0" algn="ctr" defTabSz="914400" rtl="0" eaLnBrk="1" latinLnBrk="0" hangingPunct="1">
+              <a:lnSpc>
+                <a:spcPct val="90000"/>
+              </a:lnSpc>
+              <a:spcBef>
+                <a:spcPts val="500"/>
+              </a:spcBef>
+              <a:buFont typeface="Arial"/>
+              <a:buNone/>
+              <a:defRPr sz="2000" kern="1200">
+                <a:solidFill>
+                  <a:schemeClr val="tx1"/>
+                </a:solidFill>
+                <a:latin typeface="+mn-lt"/>
+                <a:ea typeface="+mn-ea"/>
+                <a:cs typeface="+mn-cs"/>
+              </a:defRPr>
+            </a:lvl2pPr>
+            <a:lvl3pPr marL="914400" indent="0" algn="ctr" defTabSz="914400" rtl="0" eaLnBrk="1" latinLnBrk="0" hangingPunct="1">
+              <a:lnSpc>
+                <a:spcPct val="90000"/>
+              </a:lnSpc>
+              <a:spcBef>
+                <a:spcPts val="500"/>
+              </a:spcBef>
+              <a:buFont typeface="Arial"/>
+              <a:buNone/>
+              <a:defRPr sz="1800" kern="1200">
+                <a:solidFill>
+                  <a:schemeClr val="tx1"/>
+                </a:solidFill>
+                <a:latin typeface="+mn-lt"/>
+                <a:ea typeface="+mn-ea"/>
+                <a:cs typeface="+mn-cs"/>
+              </a:defRPr>
+            </a:lvl3pPr>
+            <a:lvl4pPr marL="1371600" indent="0" algn="ctr" defTabSz="914400" rtl="0" eaLnBrk="1" latinLnBrk="0" hangingPunct="1">
+              <a:lnSpc>
+                <a:spcPct val="90000"/>
+              </a:lnSpc>
+              <a:spcBef>
+                <a:spcPts val="500"/>
+              </a:spcBef>
+              <a:buFont typeface="Arial"/>
+              <a:buNone/>
+              <a:defRPr sz="1600" kern="1200">
+                <a:solidFill>
+                  <a:schemeClr val="tx1"/>
+                </a:solidFill>
+                <a:latin typeface="+mn-lt"/>
+                <a:ea typeface="+mn-ea"/>
+                <a:cs typeface="+mn-cs"/>
+              </a:defRPr>
+            </a:lvl4pPr>
+            <a:lvl5pPr marL="1828800" indent="0" algn="ctr" defTabSz="914400" rtl="0" eaLnBrk="1" latinLnBrk="0" hangingPunct="1">
+              <a:lnSpc>
+                <a:spcPct val="90000"/>
+              </a:lnSpc>
+              <a:spcBef>
+                <a:spcPts val="500"/>
+              </a:spcBef>
+              <a:buFont typeface="Arial"/>
+              <a:buNone/>
+              <a:defRPr sz="1600" kern="1200">
+                <a:solidFill>
+                  <a:schemeClr val="tx1"/>
+                </a:solidFill>
+                <a:latin typeface="+mn-lt"/>
+                <a:ea typeface="+mn-ea"/>
+                <a:cs typeface="+mn-cs"/>
+              </a:defRPr>
+            </a:lvl5pPr>
+            <a:lvl6pPr marL="2286000" indent="0" algn="ctr" defTabSz="914400" rtl="0" eaLnBrk="1" latinLnBrk="0" hangingPunct="1">
+              <a:lnSpc>
+                <a:spcPct val="90000"/>
+              </a:lnSpc>
+              <a:spcBef>
+                <a:spcPts val="500"/>
+              </a:spcBef>
+              <a:buFont typeface="Arial"/>
+              <a:buNone/>
+              <a:defRPr sz="1600" kern="1200">
+                <a:solidFill>
+                  <a:schemeClr val="tx1"/>
+                </a:solidFill>
+                <a:latin typeface="+mn-lt"/>
+                <a:ea typeface="+mn-ea"/>
+                <a:cs typeface="+mn-cs"/>
+              </a:defRPr>
+            </a:lvl6pPr>
+            <a:lvl7pPr marL="2743200" indent="0" algn="ctr" defTabSz="914400" rtl="0" eaLnBrk="1" latinLnBrk="0" hangingPunct="1">
+              <a:lnSpc>
+                <a:spcPct val="90000"/>
+              </a:lnSpc>
+              <a:spcBef>
+                <a:spcPts val="500"/>
+              </a:spcBef>
+              <a:buFont typeface="Arial"/>
+              <a:buNone/>
+              <a:defRPr sz="1600" kern="1200">
+                <a:solidFill>
+                  <a:schemeClr val="tx1"/>
+                </a:solidFill>
+                <a:latin typeface="+mn-lt"/>
+                <a:ea typeface="+mn-ea"/>
+                <a:cs typeface="+mn-cs"/>
+              </a:defRPr>
+            </a:lvl7pPr>
+            <a:lvl8pPr marL="3200400" indent="0" algn="ctr" defTabSz="914400" rtl="0" eaLnBrk="1" latinLnBrk="0" hangingPunct="1">
+              <a:lnSpc>
+                <a:spcPct val="90000"/>
+              </a:lnSpc>
+              <a:spcBef>
+                <a:spcPts val="500"/>
+              </a:spcBef>
+              <a:buFont typeface="Arial"/>
+              <a:buNone/>
+              <a:defRPr sz="1600" kern="1200">
+                <a:solidFill>
+                  <a:schemeClr val="tx1"/>
+                </a:solidFill>
+                <a:latin typeface="+mn-lt"/>
+                <a:ea typeface="+mn-ea"/>
+                <a:cs typeface="+mn-cs"/>
+              </a:defRPr>
+            </a:lvl8pPr>
+            <a:lvl9pPr marL="3657600" indent="0" algn="ctr" defTabSz="914400" rtl="0" eaLnBrk="1" latinLnBrk="0" hangingPunct="1">
+              <a:lnSpc>
+                <a:spcPct val="90000"/>
+              </a:lnSpc>
+              <a:spcBef>
+                <a:spcPts val="500"/>
+              </a:spcBef>
+              <a:buFont typeface="Arial"/>
+              <a:buNone/>
+              <a:defRPr sz="1600" kern="1200">
+                <a:solidFill>
+                  <a:schemeClr val="tx1"/>
+                </a:solidFill>
+                <a:latin typeface="+mn-lt"/>
+                <a:ea typeface="+mn-ea"/>
+                <a:cs typeface="+mn-cs"/>
+              </a:defRPr>
+            </a:lvl9pPr>
+          </a:lstStyle>
+          <a:p>
+            <a:pPr algn="l"/>
+            <a:r>
+              <a:rPr lang="zh-CN" altLang="en-US" sz="1600" dirty="0" smtClean="0"/>
+              <a:t>你能设置的颜色值如：</a:t>
+            </a:r>
+            <a:r>
+              <a:rPr lang="en-US" altLang="zh-CN" sz="1600" dirty="0" smtClean="0"/>
+              <a:t>normal</a:t>
+            </a:r>
+            <a:r>
+              <a:rPr lang="zh-CN" altLang="en-US" sz="1600" dirty="0" smtClean="0"/>
+              <a:t>、</a:t>
+            </a:r>
+            <a:r>
+              <a:rPr lang="en-US" altLang="zh-CN" sz="1600" dirty="0" smtClean="0"/>
+              <a:t>black</a:t>
+            </a:r>
+            <a:r>
+              <a:rPr lang="zh-CN" altLang="en-US" sz="1600" dirty="0" smtClean="0"/>
+              <a:t>、</a:t>
+            </a:r>
+            <a:r>
+              <a:rPr lang="en-US" altLang="zh-CN" sz="1600" dirty="0" smtClean="0"/>
+              <a:t>red</a:t>
+            </a:r>
+            <a:r>
+              <a:rPr lang="zh-CN" altLang="en-US" sz="1600" dirty="0" smtClean="0"/>
+              <a:t>、</a:t>
+            </a:r>
+            <a:r>
+              <a:rPr lang="en-US" altLang="zh-CN" sz="1600" dirty="0" smtClean="0"/>
+              <a:t>green</a:t>
+            </a:r>
+            <a:r>
+              <a:rPr lang="zh-CN" altLang="en-US" sz="1600" dirty="0" smtClean="0"/>
+              <a:t>、</a:t>
+            </a:r>
+            <a:r>
+              <a:rPr lang="en-US" altLang="zh-CN" sz="1600" dirty="0" smtClean="0"/>
+              <a:t>yellow</a:t>
+            </a:r>
+            <a:r>
+              <a:rPr lang="zh-CN" altLang="en-US" sz="1600" dirty="0" smtClean="0"/>
+              <a:t>、</a:t>
+            </a:r>
+            <a:r>
+              <a:rPr lang="en-US" altLang="zh-CN" sz="1600" dirty="0" smtClean="0"/>
+              <a:t>blue</a:t>
+            </a:r>
+            <a:r>
+              <a:rPr lang="zh-CN" altLang="en-US" sz="1600" dirty="0" smtClean="0"/>
+              <a:t>、</a:t>
+            </a:r>
+            <a:r>
+              <a:rPr lang="en-US" altLang="zh-CN" sz="1600" dirty="0" smtClean="0"/>
+              <a:t>magenta</a:t>
+            </a:r>
+            <a:r>
+              <a:rPr lang="zh-CN" altLang="en-US" sz="1600" dirty="0" smtClean="0"/>
+              <a:t>、</a:t>
+            </a:r>
+            <a:r>
+              <a:rPr lang="en-US" altLang="zh-CN" sz="1600" dirty="0" smtClean="0"/>
+              <a:t>cyan</a:t>
+            </a:r>
+            <a:r>
+              <a:rPr lang="zh-CN" altLang="en-US" sz="1600" dirty="0" smtClean="0"/>
+              <a:t>、</a:t>
+            </a:r>
+            <a:r>
+              <a:rPr lang="en-US" altLang="zh-CN" sz="1600" dirty="0" smtClean="0"/>
+              <a:t>white</a:t>
+            </a:r>
+            <a:r>
+              <a:rPr lang="zh-CN" altLang="en-US" sz="1600" dirty="0" smtClean="0"/>
+              <a:t>，正如以上例子设置的粗体属性，想要设置字体属性的话，可以选择如：</a:t>
+            </a:r>
+            <a:r>
+              <a:rPr lang="en-US" altLang="zh-CN" sz="1600" dirty="0" smtClean="0"/>
+              <a:t>bold</a:t>
+            </a:r>
+            <a:r>
+              <a:rPr lang="zh-CN" altLang="en-US" sz="1600" dirty="0" smtClean="0"/>
+              <a:t>、</a:t>
+            </a:r>
+            <a:r>
+              <a:rPr lang="en-US" altLang="zh-CN" sz="1600" dirty="0" smtClean="0"/>
+              <a:t>dim</a:t>
+            </a:r>
+            <a:r>
+              <a:rPr lang="zh-CN" altLang="en-US" sz="1600" dirty="0" smtClean="0"/>
+              <a:t>、</a:t>
+            </a:r>
+            <a:r>
+              <a:rPr lang="en-US" altLang="zh-CN" sz="1600" dirty="0" err="1" smtClean="0"/>
+              <a:t>ul</a:t>
+            </a:r>
+            <a:r>
+              <a:rPr lang="zh-CN" altLang="en-US" sz="1600" dirty="0" smtClean="0"/>
+              <a:t>、</a:t>
+            </a:r>
+            <a:r>
+              <a:rPr lang="en-US" altLang="zh-CN" sz="1600" dirty="0" smtClean="0"/>
+              <a:t>blink</a:t>
+            </a:r>
+            <a:r>
+              <a:rPr lang="zh-CN" altLang="en-US" sz="1600" dirty="0" smtClean="0"/>
+              <a:t>、</a:t>
+            </a:r>
+            <a:r>
+              <a:rPr lang="en-US" altLang="zh-CN" sz="1600" dirty="0" smtClean="0"/>
+              <a:t>reverse</a:t>
+            </a:r>
+            <a:r>
+              <a:rPr lang="zh-CN" altLang="en-US" sz="1600" dirty="0" smtClean="0"/>
+              <a:t>。</a:t>
+            </a:r>
+            <a:endParaRPr lang="en-US" altLang="zh-CN" sz="1600" dirty="0" smtClean="0"/>
+          </a:p>
+          <a:p>
+            <a:pPr algn="l"/>
+            <a:endParaRPr lang="en-US" altLang="zh-CN" sz="1600" dirty="0" smtClean="0"/>
+          </a:p>
+          <a:p>
+            <a:pPr algn="l"/>
+            <a:r>
+              <a:rPr lang="zh-CN" altLang="en-US" sz="1600" dirty="0" smtClean="0"/>
+              <a:t>如果你想配置子选项的话，可以参考</a:t>
+            </a:r>
+            <a:r>
+              <a:rPr lang="en-US" altLang="zh-CN" sz="1600" dirty="0" err="1" smtClean="0"/>
+              <a:t>git</a:t>
+            </a:r>
+            <a:r>
+              <a:rPr lang="en-US" altLang="zh-CN" sz="1600" dirty="0" smtClean="0"/>
+              <a:t> </a:t>
+            </a:r>
+            <a:r>
+              <a:rPr lang="en-US" altLang="zh-CN" sz="1600" dirty="0" err="1" smtClean="0"/>
+              <a:t>config</a:t>
+            </a:r>
+            <a:r>
+              <a:rPr lang="zh-CN" altLang="en-US" sz="1600" dirty="0" smtClean="0"/>
+              <a:t>帮助页。</a:t>
+            </a:r>
+            <a:endParaRPr lang="zh-CN" altLang="en-US" sz="1600" dirty="0"/>
+          </a:p>
+        </p:txBody>
+      </p:sp>
+      <p:pic>
+        <p:nvPicPr>
+          <p:cNvPr id="13" name="图片 12" descr="11.png"/>
+          <p:cNvPicPr>
+            <a:picLocks noChangeAspect="1"/>
+          </p:cNvPicPr>
+          <p:nvPr/>
+        </p:nvPicPr>
+        <p:blipFill>
+          <a:blip r:embed="rId2"/>
+          <a:stretch>
+            <a:fillRect/>
+          </a:stretch>
+        </p:blipFill>
+        <p:spPr>
+          <a:xfrm>
+            <a:off x="638175" y="1828800"/>
+            <a:ext cx="6572250" cy="714375"/>
+          </a:xfrm>
+          <a:prstGeom prst="rect">
+            <a:avLst/>
+          </a:prstGeom>
+        </p:spPr>
+      </p:pic>
+    </p:spTree>
+    <p:extLst>
+      <p:ext uri="{BB962C8B-B14F-4D97-AF65-F5344CB8AC3E}">
+        <p14:creationId xmlns="" xmlns:p14="http://schemas.microsoft.com/office/powerpoint/2010/main" val="1866000081"/>
       </p:ext>
     </p:extLst>
   </p:cSld>
@@ -3210,7 +5084,7 @@
     </p:spTree>
     <p:extLst>
       <p:ext uri="{BB962C8B-B14F-4D97-AF65-F5344CB8AC3E}">
-        <p14:creationId xmlns:p14="http://schemas.microsoft.com/office/powerpoint/2010/main" xmlns="" val="1973594324"/>
+        <p14:creationId xmlns="" xmlns:p14="http://schemas.microsoft.com/office/powerpoint/2010/main" val="1973594324"/>
       </p:ext>
     </p:extLst>
   </p:cSld>
@@ -3542,19 +5416,7 @@
             </a:r>
             <a:r>
               <a:rPr lang="zh-CN" altLang="en-US" sz="1600" dirty="0" smtClean="0"/>
-              <a:t>极其强大的克隆和分支功能</a:t>
-            </a:r>
-            <a:r>
-              <a:rPr lang="zh-CN" altLang="en-US" sz="1600" dirty="0" smtClean="0"/>
-              <a:t>，可以做到自由</a:t>
-            </a:r>
-            <a:r>
-              <a:rPr lang="zh-CN" altLang="en-US" sz="1600" dirty="0" smtClean="0"/>
-              <a:t>参与各种开源项目了</a:t>
-            </a:r>
-            <a:r>
-              <a:rPr lang="zh-CN" altLang="en-US" sz="1600" dirty="0" smtClean="0"/>
-              <a:t>。</a:t>
+              <a:t>极其强大的克隆和分支功能，可以做到自由参与各种开源项目了。</a:t>
             </a:r>
             <a:endParaRPr lang="zh-CN" altLang="en-US" sz="1600" dirty="0"/>
           </a:p>
@@ -3563,7 +5425,7 @@
     </p:spTree>
     <p:extLst>
       <p:ext uri="{BB962C8B-B14F-4D97-AF65-F5344CB8AC3E}">
-        <p14:creationId xmlns:p14="http://schemas.microsoft.com/office/powerpoint/2010/main" xmlns="" val="1866000081"/>
+        <p14:creationId xmlns="" xmlns:p14="http://schemas.microsoft.com/office/powerpoint/2010/main" val="1866000081"/>
       </p:ext>
     </p:extLst>
   </p:cSld>
@@ -3631,11 +5493,7 @@
             </a:r>
             <a:r>
               <a:rPr kumimoji="1" lang="zh-CN" altLang="en-US" sz="5000" dirty="0" smtClean="0"/>
-              <a:t>参与开</a:t>
-            </a:r>
-            <a:r>
-              <a:rPr kumimoji="1" lang="zh-CN" altLang="en-US" sz="5000" dirty="0" smtClean="0"/>
-              <a:t>源项目</a:t>
+              <a:t>参与开源项目</a:t>
             </a:r>
             <a:endParaRPr kumimoji="1" lang="zh-CN" altLang="en-US" sz="5000" dirty="0"/>
           </a:p>
@@ -3830,11 +5688,7 @@
             <a:pPr algn="l"/>
             <a:r>
               <a:rPr lang="zh-CN" altLang="en-US" sz="1600" dirty="0" smtClean="0"/>
-              <a:t>参与一个开源</a:t>
-            </a:r>
-            <a:r>
-              <a:rPr lang="zh-CN" altLang="en-US" sz="1600" dirty="0" smtClean="0"/>
-              <a:t>项目比如人气极高的</a:t>
+              <a:t>参与一个开源项目比如人气极高的</a:t>
             </a:r>
             <a:r>
               <a:rPr lang="en-US" altLang="zh-CN" sz="1600" dirty="0" smtClean="0"/>
@@ -3842,11 +5696,7 @@
             </a:r>
             <a:r>
               <a:rPr lang="zh-CN" altLang="en-US" sz="1600" dirty="0" smtClean="0"/>
-              <a:t>项目</a:t>
-            </a:r>
-            <a:r>
-              <a:rPr lang="zh-CN" altLang="en-US" sz="1600" dirty="0" smtClean="0"/>
-              <a:t>，这是一个非常强大的</a:t>
+              <a:t>项目，这是一个非常强大的</a:t>
             </a:r>
             <a:r>
               <a:rPr lang="en-US" altLang="zh-CN" sz="1600" dirty="0" smtClean="0"/>
@@ -4088,7 +5938,7 @@
     </p:spTree>
     <p:extLst>
       <p:ext uri="{BB962C8B-B14F-4D97-AF65-F5344CB8AC3E}">
-        <p14:creationId xmlns:p14="http://schemas.microsoft.com/office/powerpoint/2010/main" xmlns="" val="2086206725"/>
+        <p14:creationId xmlns="" xmlns:p14="http://schemas.microsoft.com/office/powerpoint/2010/main" val="2086206725"/>
       </p:ext>
     </p:extLst>
   </p:cSld>
@@ -4410,7 +6260,7 @@
     </p:spTree>
     <p:extLst>
       <p:ext uri="{BB962C8B-B14F-4D97-AF65-F5344CB8AC3E}">
-        <p14:creationId xmlns:p14="http://schemas.microsoft.com/office/powerpoint/2010/main" xmlns="" val="2086206725"/>
+        <p14:creationId xmlns="" xmlns:p14="http://schemas.microsoft.com/office/powerpoint/2010/main" val="2086206725"/>
       </p:ext>
     </p:extLst>
   </p:cSld>
@@ -4472,6 +6322,24 @@
               </a:rPr>
               <a:t>Git</a:t>
             </a:r>
+            <a:r>
+              <a:rPr lang="en-US" altLang="zh-CN" sz="5400" dirty="0" smtClean="0">
+                <a:latin typeface="+mj-ea"/>
+              </a:rPr>
+              <a:t>-</a:t>
+            </a:r>
+            <a:r>
+              <a:rPr lang="zh-CN" altLang="en-US" sz="5400" dirty="0" smtClean="0">
+                <a:latin typeface="+mj-ea"/>
+              </a:rPr>
+              <a:t>配置</a:t>
+            </a:r>
+            <a:r>
+              <a:rPr lang="en-US" altLang="zh-CN" sz="5400" dirty="0" err="1" smtClean="0">
+                <a:latin typeface="+mj-ea"/>
+              </a:rPr>
+              <a:t>Git</a:t>
+            </a:r>
             <a:endParaRPr lang="zh-CN" altLang="en-US" sz="5400" dirty="0">
               <a:latin typeface="+mj-ea"/>
             </a:endParaRPr>
@@ -4490,8 +6358,8 @@
         </p:nvSpPr>
         <p:spPr>
           <a:xfrm>
-            <a:off x="373626" y="1212795"/>
-            <a:ext cx="11336593" cy="616005"/>
+            <a:off x="373626" y="1212796"/>
+            <a:ext cx="11336593" cy="315968"/>
           </a:xfrm>
         </p:spPr>
         <p:txBody>
@@ -4503,7 +6371,23 @@
             <a:pPr algn="l"/>
             <a:r>
               <a:rPr lang="zh-CN" altLang="en-US" sz="1600" dirty="0" smtClean="0"/>
-              <a:t>在安装</a:t>
+              <a:t>用</a:t>
+            </a:r>
+            <a:r>
+              <a:rPr lang="en-US" altLang="zh-CN" sz="1600" dirty="0" err="1" smtClean="0"/>
+              <a:t>git</a:t>
+            </a:r>
+            <a:r>
+              <a:rPr lang="en-US" altLang="zh-CN" sz="1600" dirty="0" smtClean="0"/>
+              <a:t> </a:t>
+            </a:r>
+            <a:r>
+              <a:rPr lang="en-US" altLang="zh-CN" sz="1600" dirty="0" err="1" smtClean="0"/>
+              <a:t>config</a:t>
+            </a:r>
+            <a:r>
+              <a:rPr lang="zh-CN" altLang="en-US" sz="1600" dirty="0" smtClean="0"/>
+              <a:t>配置 </a:t>
             </a:r>
             <a:r>
               <a:rPr lang="en-US" altLang="zh-CN" sz="1600" dirty="0" err="1" smtClean="0"/>
@@ -4511,47 +6395,9 @@
             </a:r>
             <a:r>
               <a:rPr lang="zh-CN" altLang="en-US" sz="1600" dirty="0" smtClean="0"/>
-              <a:t>一节中，我们已经配置了</a:t>
-            </a:r>
-            <a:r>
-              <a:rPr lang="en-US" altLang="zh-CN" sz="1600" dirty="0" smtClean="0"/>
-              <a:t>user.name</a:t>
-            </a:r>
-            <a:r>
-              <a:rPr lang="zh-CN" altLang="en-US" sz="1600" dirty="0" smtClean="0"/>
-              <a:t>和</a:t>
-            </a:r>
-            <a:r>
-              <a:rPr lang="en-US" altLang="zh-CN" sz="1600" dirty="0" err="1" smtClean="0"/>
-              <a:t>user.email</a:t>
-            </a:r>
-            <a:r>
-              <a:rPr lang="zh-CN" altLang="en-US" sz="1600" dirty="0" smtClean="0"/>
-              <a:t>，实际上，</a:t>
-            </a:r>
-            <a:r>
-              <a:rPr lang="en-US" altLang="zh-CN" sz="1600" dirty="0" err="1" smtClean="0"/>
-              <a:t>Git</a:t>
-            </a:r>
-            <a:r>
-              <a:rPr lang="zh-CN" altLang="en-US" sz="1600" dirty="0" smtClean="0"/>
-              <a:t>还有很多可配置项。</a:t>
-            </a:r>
-          </a:p>
-          <a:p>
-            <a:pPr algn="l"/>
-            <a:r>
-              <a:rPr lang="zh-CN" altLang="en-US" sz="1600" dirty="0" smtClean="0"/>
-              <a:t>比如，让</a:t>
-            </a:r>
-            <a:r>
-              <a:rPr lang="en-US" altLang="zh-CN" sz="1600" dirty="0" err="1" smtClean="0"/>
-              <a:t>Git</a:t>
-            </a:r>
-            <a:r>
-              <a:rPr lang="zh-CN" altLang="en-US" sz="1600" dirty="0" smtClean="0"/>
-              <a:t>显示颜色，会让命令输出看起来更醒目：</a:t>
-            </a:r>
+              <a:t>，要做的第一件事就是设置名字和邮箱地址：</a:t>
+            </a:r>
+            <a:endParaRPr lang="zh-CN" altLang="en-US" sz="1600" dirty="0" smtClean="0"/>
           </a:p>
         </p:txBody>
       </p:sp>
@@ -4566,7 +6412,7 @@
         <p:spPr>
           <a:xfrm>
             <a:off x="373626" y="2676831"/>
-            <a:ext cx="11336593" cy="294969"/>
+            <a:ext cx="11336593" cy="652157"/>
           </a:xfrm>
           <a:prstGeom prst="rect">
             <a:avLst/>
@@ -4743,16 +6589,44 @@
           <a:p>
             <a:pPr algn="l"/>
             <a:r>
-              <a:rPr lang="zh-CN" altLang="en-US" sz="1600" dirty="0" smtClean="0"/>
-              <a:t>这样，</a:t>
-            </a:r>
-            <a:r>
               <a:rPr lang="en-US" altLang="zh-CN" sz="1600" dirty="0" err="1" smtClean="0"/>
               <a:t>Git</a:t>
             </a:r>
             <a:r>
-              <a:rPr lang="zh-CN" altLang="en-US" sz="1600" dirty="0" smtClean="0"/>
-              <a:t>会适当地显示不同的颜色，比如</a:t>
+              <a:rPr lang="en-US" altLang="zh-CN" sz="1600" dirty="0" smtClean="0"/>
+              <a:t> </a:t>
+            </a:r>
+            <a:r>
+              <a:rPr lang="zh-CN" altLang="en-US" sz="1600" dirty="0" smtClean="0"/>
+              <a:t>使用一系列的配置文件来存储你定义的偏好，它首先会查找</a:t>
+            </a:r>
+            <a:r>
+              <a:rPr lang="en-US" altLang="zh-CN" sz="1600" dirty="0" smtClean="0"/>
+              <a:t>/etc/</a:t>
+            </a:r>
+            <a:r>
+              <a:rPr lang="en-US" altLang="zh-CN" sz="1600" dirty="0" err="1" smtClean="0"/>
+              <a:t>gitconfig</a:t>
+            </a:r>
+            <a:r>
+              <a:rPr lang="zh-CN" altLang="en-US" sz="1600" dirty="0" smtClean="0"/>
+              <a:t>文件，该文件含有 对系统上所有用户及他们所拥有的仓库都生效的配置值（译注：</a:t>
+            </a:r>
+            <a:r>
+              <a:rPr lang="en-US" altLang="zh-CN" sz="1600" dirty="0" err="1" smtClean="0"/>
+              <a:t>gitconfig</a:t>
+            </a:r>
+            <a:r>
+              <a:rPr lang="zh-CN" altLang="en-US" sz="1600" dirty="0" smtClean="0"/>
+              <a:t>是全局配置文件）， 如果传递</a:t>
+            </a:r>
+            <a:r>
+              <a:rPr lang="en-US" altLang="zh-CN" sz="1600" dirty="0" smtClean="0"/>
+              <a:t>--system</a:t>
+            </a:r>
+            <a:r>
+              <a:rPr lang="zh-CN" altLang="en-US" sz="1600" dirty="0" smtClean="0"/>
+              <a:t>选项给</a:t>
             </a:r>
             <a:r>
               <a:rPr lang="en-US" altLang="zh-CN" sz="1600" dirty="0" err="1" smtClean="0"/>
@@ -4760,206 +6634,27 @@
             </a:r>
             <a:r>
               <a:rPr lang="en-US" altLang="zh-CN" sz="1600" dirty="0" smtClean="0"/>
-              <a:t> status</a:t>
-            </a:r>
-            <a:r>
-              <a:rPr lang="zh-CN" altLang="en-US" sz="1600" dirty="0" smtClean="0"/>
-              <a:t>命令：</a:t>
-            </a:r>
-            <a:endParaRPr lang="zh-CN" altLang="en-US" sz="1600" dirty="0"/>
-          </a:p>
-        </p:txBody>
-      </p:sp>
-      <p:sp>
-        <p:nvSpPr>
-          <p:cNvPr id="7" name="副标题 2"/>
-          <p:cNvSpPr txBox="1">
-            <a:spLocks/>
-          </p:cNvSpPr>
-          <p:nvPr/>
-        </p:nvSpPr>
-        <p:spPr>
-          <a:xfrm>
-            <a:off x="373626" y="5886450"/>
-            <a:ext cx="11336593" cy="294969"/>
-          </a:xfrm>
-          <a:prstGeom prst="rect">
-            <a:avLst/>
-          </a:prstGeom>
-        </p:spPr>
-        <p:txBody>
-          <a:bodyPr vert="horz" lIns="91440" tIns="45720" rIns="91440" bIns="45720" rtlCol="0">
-            <a:noAutofit/>
-          </a:bodyPr>
-          <a:lstStyle>
-            <a:lvl1pPr marL="0" indent="0" algn="ctr" defTabSz="914400" rtl="0" eaLnBrk="1" latinLnBrk="0" hangingPunct="1">
-              <a:lnSpc>
-                <a:spcPct val="90000"/>
-              </a:lnSpc>
-              <a:spcBef>
-                <a:spcPts val="1000"/>
-              </a:spcBef>
-              <a:buFont typeface="Arial"/>
-              <a:buNone/>
-              <a:defRPr sz="2400" kern="1200">
-                <a:solidFill>
-                  <a:schemeClr val="tx1"/>
-                </a:solidFill>
-                <a:latin typeface="+mn-lt"/>
-                <a:ea typeface="+mn-ea"/>
-                <a:cs typeface="+mn-cs"/>
-              </a:defRPr>
-            </a:lvl1pPr>
-            <a:lvl2pPr marL="457200" indent="0" algn="ctr" defTabSz="914400" rtl="0" eaLnBrk="1" latinLnBrk="0" hangingPunct="1">
-              <a:lnSpc>
-                <a:spcPct val="90000"/>
-              </a:lnSpc>
-              <a:spcBef>
-                <a:spcPts val="500"/>
-              </a:spcBef>
-              <a:buFont typeface="Arial"/>
-              <a:buNone/>
-              <a:defRPr sz="2000" kern="1200">
-                <a:solidFill>
-                  <a:schemeClr val="tx1"/>
-                </a:solidFill>
-                <a:latin typeface="+mn-lt"/>
-                <a:ea typeface="+mn-ea"/>
-                <a:cs typeface="+mn-cs"/>
-              </a:defRPr>
-            </a:lvl2pPr>
-            <a:lvl3pPr marL="914400" indent="0" algn="ctr" defTabSz="914400" rtl="0" eaLnBrk="1" latinLnBrk="0" hangingPunct="1">
-              <a:lnSpc>
-                <a:spcPct val="90000"/>
-              </a:lnSpc>
-              <a:spcBef>
-                <a:spcPts val="500"/>
-              </a:spcBef>
-              <a:buFont typeface="Arial"/>
-              <a:buNone/>
-              <a:defRPr sz="1800" kern="1200">
-                <a:solidFill>
-                  <a:schemeClr val="tx1"/>
-                </a:solidFill>
-                <a:latin typeface="+mn-lt"/>
-                <a:ea typeface="+mn-ea"/>
-                <a:cs typeface="+mn-cs"/>
-              </a:defRPr>
-            </a:lvl3pPr>
-            <a:lvl4pPr marL="1371600" indent="0" algn="ctr" defTabSz="914400" rtl="0" eaLnBrk="1" latinLnBrk="0" hangingPunct="1">
-              <a:lnSpc>
-                <a:spcPct val="90000"/>
-              </a:lnSpc>
-              <a:spcBef>
-                <a:spcPts val="500"/>
-              </a:spcBef>
-              <a:buFont typeface="Arial"/>
-              <a:buNone/>
-              <a:defRPr sz="1600" kern="1200">
-                <a:solidFill>
-                  <a:schemeClr val="tx1"/>
-                </a:solidFill>
-                <a:latin typeface="+mn-lt"/>
-                <a:ea typeface="+mn-ea"/>
-                <a:cs typeface="+mn-cs"/>
-              </a:defRPr>
-            </a:lvl4pPr>
-            <a:lvl5pPr marL="1828800" indent="0" algn="ctr" defTabSz="914400" rtl="0" eaLnBrk="1" latinLnBrk="0" hangingPunct="1">
-              <a:lnSpc>
-                <a:spcPct val="90000"/>
-              </a:lnSpc>
-              <a:spcBef>
-                <a:spcPts val="500"/>
-              </a:spcBef>
-              <a:buFont typeface="Arial"/>
-              <a:buNone/>
-              <a:defRPr sz="1600" kern="1200">
-                <a:solidFill>
-                  <a:schemeClr val="tx1"/>
-                </a:solidFill>
-                <a:latin typeface="+mn-lt"/>
-                <a:ea typeface="+mn-ea"/>
-                <a:cs typeface="+mn-cs"/>
-              </a:defRPr>
-            </a:lvl5pPr>
-            <a:lvl6pPr marL="2286000" indent="0" algn="ctr" defTabSz="914400" rtl="0" eaLnBrk="1" latinLnBrk="0" hangingPunct="1">
-              <a:lnSpc>
-                <a:spcPct val="90000"/>
-              </a:lnSpc>
-              <a:spcBef>
-                <a:spcPts val="500"/>
-              </a:spcBef>
-              <a:buFont typeface="Arial"/>
-              <a:buNone/>
-              <a:defRPr sz="1600" kern="1200">
-                <a:solidFill>
-                  <a:schemeClr val="tx1"/>
-                </a:solidFill>
-                <a:latin typeface="+mn-lt"/>
-                <a:ea typeface="+mn-ea"/>
-                <a:cs typeface="+mn-cs"/>
-              </a:defRPr>
-            </a:lvl6pPr>
-            <a:lvl7pPr marL="2743200" indent="0" algn="ctr" defTabSz="914400" rtl="0" eaLnBrk="1" latinLnBrk="0" hangingPunct="1">
-              <a:lnSpc>
-                <a:spcPct val="90000"/>
-              </a:lnSpc>
-              <a:spcBef>
-                <a:spcPts val="500"/>
-              </a:spcBef>
-              <a:buFont typeface="Arial"/>
-              <a:buNone/>
-              <a:defRPr sz="1600" kern="1200">
-                <a:solidFill>
-                  <a:schemeClr val="tx1"/>
-                </a:solidFill>
-                <a:latin typeface="+mn-lt"/>
-                <a:ea typeface="+mn-ea"/>
-                <a:cs typeface="+mn-cs"/>
-              </a:defRPr>
-            </a:lvl7pPr>
-            <a:lvl8pPr marL="3200400" indent="0" algn="ctr" defTabSz="914400" rtl="0" eaLnBrk="1" latinLnBrk="0" hangingPunct="1">
-              <a:lnSpc>
-                <a:spcPct val="90000"/>
-              </a:lnSpc>
-              <a:spcBef>
-                <a:spcPts val="500"/>
-              </a:spcBef>
-              <a:buFont typeface="Arial"/>
-              <a:buNone/>
-              <a:defRPr sz="1600" kern="1200">
-                <a:solidFill>
-                  <a:schemeClr val="tx1"/>
-                </a:solidFill>
-                <a:latin typeface="+mn-lt"/>
-                <a:ea typeface="+mn-ea"/>
-                <a:cs typeface="+mn-cs"/>
-              </a:defRPr>
-            </a:lvl8pPr>
-            <a:lvl9pPr marL="3657600" indent="0" algn="ctr" defTabSz="914400" rtl="0" eaLnBrk="1" latinLnBrk="0" hangingPunct="1">
-              <a:lnSpc>
-                <a:spcPct val="90000"/>
-              </a:lnSpc>
-              <a:spcBef>
-                <a:spcPts val="500"/>
-              </a:spcBef>
-              <a:buFont typeface="Arial"/>
-              <a:buNone/>
-              <a:defRPr sz="1600" kern="1200">
-                <a:solidFill>
-                  <a:schemeClr val="tx1"/>
-                </a:solidFill>
-                <a:latin typeface="+mn-lt"/>
-                <a:ea typeface="+mn-ea"/>
-                <a:cs typeface="+mn-cs"/>
-              </a:defRPr>
-            </a:lvl9pPr>
-          </a:lstStyle>
-          <a:p>
-            <a:pPr algn="l"/>
-            <a:r>
-              <a:rPr lang="zh-CN" altLang="en-US" sz="1600" dirty="0" smtClean="0"/>
-              <a:t>文件名就会标上颜色。</a:t>
+              <a:t> </a:t>
+            </a:r>
+            <a:r>
+              <a:rPr lang="en-US" altLang="zh-CN" sz="1600" dirty="0" err="1" smtClean="0"/>
+              <a:t>config</a:t>
+            </a:r>
+            <a:r>
+              <a:rPr lang="zh-CN" altLang="en-US" sz="1600" dirty="0" smtClean="0"/>
+              <a:t>命令， </a:t>
+            </a:r>
+            <a:r>
+              <a:rPr lang="en-US" altLang="zh-CN" sz="1600" dirty="0" err="1" smtClean="0"/>
+              <a:t>Git</a:t>
+            </a:r>
+            <a:r>
+              <a:rPr lang="en-US" altLang="zh-CN" sz="1600" dirty="0" smtClean="0"/>
+              <a:t> </a:t>
+            </a:r>
+            <a:r>
+              <a:rPr lang="zh-CN" altLang="en-US" sz="1600" dirty="0" smtClean="0"/>
+              <a:t>会读写这个文件。</a:t>
             </a:r>
             <a:endParaRPr lang="zh-CN" altLang="en-US" sz="1600" dirty="0"/>
           </a:p>
@@ -4967,7 +6662,7 @@
       </p:sp>
       <p:pic>
         <p:nvPicPr>
-          <p:cNvPr id="8" name="图片 7" descr="7.png"/>
+          <p:cNvPr id="12" name="图片 11" descr="1.png"/>
           <p:cNvPicPr>
             <a:picLocks noChangeAspect="1"/>
           </p:cNvPicPr>
@@ -4981,17 +6676,712 @@
         </p:blipFill>
         <p:spPr>
           <a:xfrm>
-            <a:off x="642936" y="1828800"/>
-            <a:ext cx="6515101" cy="620017"/>
+            <a:off x="642935" y="1757363"/>
+            <a:ext cx="6238875" cy="683996"/>
           </a:xfrm>
           <a:prstGeom prst="rect">
             <a:avLst/>
           </a:prstGeom>
         </p:spPr>
       </p:pic>
+      <p:sp>
+        <p:nvSpPr>
+          <p:cNvPr id="13" name="副标题 2"/>
+          <p:cNvSpPr txBox="1">
+            <a:spLocks/>
+          </p:cNvSpPr>
+          <p:nvPr/>
+        </p:nvSpPr>
+        <p:spPr>
+          <a:xfrm>
+            <a:off x="373626" y="3328988"/>
+            <a:ext cx="11336593" cy="315968"/>
+          </a:xfrm>
+          <a:prstGeom prst="rect">
+            <a:avLst/>
+          </a:prstGeom>
+        </p:spPr>
+        <p:txBody>
+          <a:bodyPr vert="horz" lIns="91440" tIns="45720" rIns="91440" bIns="45720" rtlCol="0">
+            <a:noAutofit/>
+          </a:bodyPr>
+          <a:lstStyle/>
+          <a:p>
+            <a:pPr lvl="0">
+              <a:lnSpc>
+                <a:spcPct val="90000"/>
+              </a:lnSpc>
+              <a:spcBef>
+                <a:spcPts val="1000"/>
+              </a:spcBef>
+            </a:pPr>
+            <a:r>
+              <a:rPr lang="zh-CN" altLang="en-US" sz="1600" dirty="0" smtClean="0"/>
+              <a:t>接下来 </a:t>
+            </a:r>
+            <a:r>
+              <a:rPr lang="en-US" altLang="zh-CN" sz="1600" dirty="0" err="1" smtClean="0"/>
+              <a:t>Git</a:t>
+            </a:r>
+            <a:r>
+              <a:rPr lang="en-US" altLang="zh-CN" sz="1600" dirty="0" smtClean="0"/>
+              <a:t> </a:t>
+            </a:r>
+            <a:r>
+              <a:rPr lang="zh-CN" altLang="en-US" sz="1600" dirty="0" smtClean="0"/>
+              <a:t>会查找每个用户的</a:t>
+            </a:r>
+            <a:r>
+              <a:rPr lang="en-US" altLang="zh-CN" sz="1600" dirty="0" smtClean="0"/>
+              <a:t>~/.</a:t>
+            </a:r>
+            <a:r>
+              <a:rPr lang="en-US" altLang="zh-CN" sz="1600" dirty="0" err="1" smtClean="0"/>
+              <a:t>gitconfig</a:t>
+            </a:r>
+            <a:r>
+              <a:rPr lang="zh-CN" altLang="en-US" sz="1600" dirty="0" smtClean="0"/>
+              <a:t>文件，你能传递</a:t>
+            </a:r>
+            <a:r>
+              <a:rPr lang="en-US" altLang="zh-CN" sz="1600" dirty="0" smtClean="0"/>
+              <a:t>--global</a:t>
+            </a:r>
+            <a:r>
+              <a:rPr lang="zh-CN" altLang="en-US" sz="1600" dirty="0" smtClean="0"/>
+              <a:t>选项让 </a:t>
+            </a:r>
+            <a:r>
+              <a:rPr lang="en-US" altLang="zh-CN" sz="1600" dirty="0" err="1" smtClean="0"/>
+              <a:t>Git</a:t>
+            </a:r>
+            <a:r>
+              <a:rPr lang="zh-CN" altLang="en-US" sz="1600" dirty="0" smtClean="0"/>
+              <a:t>读写该文件。</a:t>
+            </a:r>
+            <a:endParaRPr kumimoji="0" lang="zh-CN" altLang="en-US" sz="1600" b="0" i="0" u="none" strike="noStrike" kern="1200" cap="none" spc="0" normalizeH="0" baseline="0" noProof="0" dirty="0" smtClean="0">
+              <a:ln>
+                <a:noFill/>
+              </a:ln>
+              <a:solidFill>
+                <a:schemeClr val="tx1"/>
+              </a:solidFill>
+              <a:effectLst/>
+              <a:uLnTx/>
+              <a:uFillTx/>
+              <a:latin typeface="+mn-lt"/>
+              <a:ea typeface="+mn-ea"/>
+              <a:cs typeface="+mn-cs"/>
+            </a:endParaRPr>
+          </a:p>
+        </p:txBody>
+      </p:sp>
+      <p:sp>
+        <p:nvSpPr>
+          <p:cNvPr id="14" name="副标题 2"/>
+          <p:cNvSpPr txBox="1">
+            <a:spLocks/>
+          </p:cNvSpPr>
+          <p:nvPr/>
+        </p:nvSpPr>
+        <p:spPr>
+          <a:xfrm>
+            <a:off x="373626" y="3797355"/>
+            <a:ext cx="11336593" cy="931807"/>
+          </a:xfrm>
+          <a:prstGeom prst="rect">
+            <a:avLst/>
+          </a:prstGeom>
+        </p:spPr>
+        <p:txBody>
+          <a:bodyPr vert="horz" lIns="91440" tIns="45720" rIns="91440" bIns="45720" rtlCol="0">
+            <a:noAutofit/>
+          </a:bodyPr>
+          <a:lstStyle/>
+          <a:p>
+            <a:pPr lvl="0">
+              <a:lnSpc>
+                <a:spcPct val="90000"/>
+              </a:lnSpc>
+              <a:spcBef>
+                <a:spcPts val="1000"/>
+              </a:spcBef>
+            </a:pPr>
+            <a:r>
+              <a:rPr lang="zh-CN" altLang="en-US" sz="1600" dirty="0" smtClean="0"/>
+              <a:t>最后 </a:t>
+            </a:r>
+            <a:r>
+              <a:rPr lang="en-US" altLang="zh-CN" sz="1600" dirty="0" err="1" smtClean="0"/>
+              <a:t>Git</a:t>
+            </a:r>
+            <a:r>
+              <a:rPr lang="en-US" altLang="zh-CN" sz="1600" dirty="0" smtClean="0"/>
+              <a:t> </a:t>
+            </a:r>
+            <a:r>
+              <a:rPr lang="zh-CN" altLang="en-US" sz="1600" dirty="0" smtClean="0"/>
+              <a:t>会查找由用户定义的各个库中 </a:t>
+            </a:r>
+            <a:r>
+              <a:rPr lang="en-US" altLang="zh-CN" sz="1600" dirty="0" err="1" smtClean="0"/>
+              <a:t>Git</a:t>
+            </a:r>
+            <a:r>
+              <a:rPr lang="en-US" altLang="zh-CN" sz="1600" dirty="0" smtClean="0"/>
+              <a:t> </a:t>
+            </a:r>
+            <a:r>
+              <a:rPr lang="zh-CN" altLang="en-US" sz="1600" dirty="0" smtClean="0"/>
+              <a:t>目录下的配置文件（</a:t>
+            </a:r>
+            <a:r>
+              <a:rPr lang="en-US" altLang="zh-CN" sz="1600" dirty="0" smtClean="0"/>
+              <a:t>.</a:t>
+            </a:r>
+            <a:r>
+              <a:rPr lang="en-US" altLang="zh-CN" sz="1600" dirty="0" err="1" smtClean="0"/>
+              <a:t>git</a:t>
+            </a:r>
+            <a:r>
+              <a:rPr lang="en-US" altLang="zh-CN" sz="1600" dirty="0" smtClean="0"/>
+              <a:t>/</a:t>
+            </a:r>
+            <a:r>
+              <a:rPr lang="en-US" altLang="zh-CN" sz="1600" dirty="0" err="1" smtClean="0"/>
+              <a:t>config</a:t>
+            </a:r>
+            <a:r>
+              <a:rPr lang="zh-CN" altLang="en-US" sz="1600" dirty="0" smtClean="0"/>
+              <a:t>），该文件中的值只对属主库有效。 以上阐述的三层配置从一般到特殊层层推进，如果定义的值有冲突，以后面层中定义的为准，例如：在</a:t>
+            </a:r>
+            <a:r>
+              <a:rPr lang="en-US" altLang="zh-CN" sz="1600" dirty="0" smtClean="0"/>
+              <a:t>.</a:t>
+            </a:r>
+            <a:r>
+              <a:rPr lang="en-US" altLang="zh-CN" sz="1600" dirty="0" err="1" smtClean="0"/>
+              <a:t>git</a:t>
+            </a:r>
+            <a:r>
+              <a:rPr lang="en-US" altLang="zh-CN" sz="1600" dirty="0" smtClean="0"/>
+              <a:t>/</a:t>
+            </a:r>
+            <a:r>
+              <a:rPr lang="en-US" altLang="zh-CN" sz="1600" dirty="0" err="1" smtClean="0"/>
+              <a:t>config</a:t>
+            </a:r>
+            <a:r>
+              <a:rPr lang="zh-CN" altLang="en-US" sz="1600" dirty="0" smtClean="0"/>
+              <a:t>和</a:t>
+            </a:r>
+            <a:r>
+              <a:rPr lang="en-US" altLang="zh-CN" sz="1600" dirty="0" smtClean="0"/>
+              <a:t>/etc/</a:t>
+            </a:r>
+            <a:r>
+              <a:rPr lang="en-US" altLang="zh-CN" sz="1600" dirty="0" err="1" smtClean="0"/>
+              <a:t>gitconfig</a:t>
+            </a:r>
+            <a:r>
+              <a:rPr lang="zh-CN" altLang="en-US" sz="1600" dirty="0" smtClean="0"/>
+              <a:t>的较量中， </a:t>
+            </a:r>
+            <a:r>
+              <a:rPr lang="en-US" altLang="zh-CN" sz="1600" dirty="0" smtClean="0"/>
+              <a:t>.</a:t>
+            </a:r>
+            <a:r>
+              <a:rPr lang="en-US" altLang="zh-CN" sz="1600" dirty="0" err="1" smtClean="0"/>
+              <a:t>git</a:t>
+            </a:r>
+            <a:r>
+              <a:rPr lang="en-US" altLang="zh-CN" sz="1600" dirty="0" smtClean="0"/>
+              <a:t>/</a:t>
+            </a:r>
+            <a:r>
+              <a:rPr lang="en-US" altLang="zh-CN" sz="1600" dirty="0" err="1" smtClean="0"/>
+              <a:t>config</a:t>
+            </a:r>
+            <a:r>
+              <a:rPr lang="zh-CN" altLang="en-US" sz="1600" dirty="0" smtClean="0"/>
+              <a:t>取得了胜利。虽然你也可以直接手动编辑这些配置文件，但是运行</a:t>
+            </a:r>
+            <a:r>
+              <a:rPr lang="en-US" altLang="zh-CN" sz="1600" dirty="0" err="1" smtClean="0"/>
+              <a:t>git</a:t>
+            </a:r>
+            <a:r>
+              <a:rPr lang="en-US" altLang="zh-CN" sz="1600" dirty="0" smtClean="0"/>
+              <a:t> </a:t>
+            </a:r>
+            <a:r>
+              <a:rPr lang="en-US" altLang="zh-CN" sz="1600" dirty="0" err="1" smtClean="0"/>
+              <a:t>config</a:t>
+            </a:r>
+            <a:r>
+              <a:rPr lang="zh-CN" altLang="en-US" sz="1600" dirty="0" smtClean="0"/>
+              <a:t>命令将会来得简单些。</a:t>
+            </a:r>
+            <a:endParaRPr kumimoji="0" lang="zh-CN" altLang="en-US" sz="1600" b="0" i="0" u="none" strike="noStrike" kern="1200" cap="none" spc="0" normalizeH="0" baseline="0" noProof="0" dirty="0" smtClean="0">
+              <a:ln>
+                <a:noFill/>
+              </a:ln>
+              <a:solidFill>
+                <a:schemeClr val="tx1"/>
+              </a:solidFill>
+              <a:effectLst/>
+              <a:uLnTx/>
+              <a:uFillTx/>
+              <a:latin typeface="+mn-lt"/>
+              <a:ea typeface="+mn-ea"/>
+              <a:cs typeface="+mn-cs"/>
+            </a:endParaRPr>
+          </a:p>
+        </p:txBody>
+      </p:sp>
+    </p:spTree>
+    <p:extLst>
+      <p:ext uri="{BB962C8B-B14F-4D97-AF65-F5344CB8AC3E}">
+        <p14:creationId xmlns="" xmlns:p14="http://schemas.microsoft.com/office/powerpoint/2010/main" val="1866000081"/>
+      </p:ext>
+    </p:extLst>
+  </p:cSld>
+  <p:clrMapOvr>
+    <a:masterClrMapping/>
+  </p:clrMapOvr>
+</p:sld>
+</file>
+
+<file path=ppt/slides/slide7.xml><?xml version="1.0" encoding="utf-8"?>
+<p:sld xmlns:a="http://schemas.openxmlformats.org/drawingml/2006/main" xmlns:r="http://schemas.openxmlformats.org/officeDocument/2006/relationships" xmlns:p="http://schemas.openxmlformats.org/presentationml/2006/main">
+  <p:cSld>
+    <p:spTree>
+      <p:nvGrpSpPr>
+        <p:cNvPr id="1" name=""/>
+        <p:cNvGrpSpPr/>
+        <p:nvPr/>
+      </p:nvGrpSpPr>
+      <p:grpSpPr>
+        <a:xfrm>
+          <a:off x="0" y="0"/>
+          <a:ext cx="0" cy="0"/>
+          <a:chOff x="0" y="0"/>
+          <a:chExt cx="0" cy="0"/>
+        </a:xfrm>
+      </p:grpSpPr>
+      <p:sp>
+        <p:nvSpPr>
+          <p:cNvPr id="2" name="标题 1"/>
+          <p:cNvSpPr>
+            <a:spLocks noGrp="1"/>
+          </p:cNvSpPr>
+          <p:nvPr>
+            <p:ph type="ctrTitle"/>
+          </p:nvPr>
+        </p:nvSpPr>
+        <p:spPr>
+          <a:xfrm>
+            <a:off x="373626" y="309716"/>
+            <a:ext cx="8198874" cy="840658"/>
+          </a:xfrm>
+        </p:spPr>
+        <p:txBody>
+          <a:bodyPr>
+            <a:normAutofit fontScale="90000"/>
+          </a:bodyPr>
+          <a:lstStyle/>
+          <a:p>
+            <a:pPr algn="l"/>
+            <a:r>
+              <a:rPr lang="zh-CN" altLang="en-US" sz="5400" dirty="0" smtClean="0">
+                <a:latin typeface="+mj-ea"/>
+              </a:rPr>
+              <a:t>自定义</a:t>
+            </a:r>
+            <a:r>
+              <a:rPr lang="en-US" altLang="zh-CN" sz="5400" dirty="0" err="1" smtClean="0">
+                <a:latin typeface="+mj-ea"/>
+              </a:rPr>
+              <a:t>Git</a:t>
+            </a:r>
+            <a:r>
+              <a:rPr lang="en-US" altLang="zh-CN" sz="5400" dirty="0" smtClean="0">
+                <a:latin typeface="+mj-ea"/>
+              </a:rPr>
+              <a:t>-</a:t>
+            </a:r>
+            <a:r>
+              <a:rPr lang="zh-CN" altLang="en-US" sz="5400" dirty="0" smtClean="0">
+                <a:latin typeface="+mj-ea"/>
+              </a:rPr>
+              <a:t>客户端基本配置</a:t>
+            </a:r>
+            <a:endParaRPr lang="zh-CN" altLang="en-US" sz="5400" dirty="0">
+              <a:latin typeface="+mj-ea"/>
+            </a:endParaRPr>
+          </a:p>
+        </p:txBody>
+      </p:sp>
+      <p:sp>
+        <p:nvSpPr>
+          <p:cNvPr id="9" name="副标题 2"/>
+          <p:cNvSpPr>
+            <a:spLocks noGrp="1"/>
+          </p:cNvSpPr>
+          <p:nvPr>
+            <p:ph type="subTitle" idx="1"/>
+          </p:nvPr>
+        </p:nvSpPr>
+        <p:spPr>
+          <a:xfrm>
+            <a:off x="373626" y="1212795"/>
+            <a:ext cx="11336593" cy="830317"/>
+          </a:xfrm>
+        </p:spPr>
+        <p:txBody>
+          <a:bodyPr>
+            <a:noAutofit/>
+          </a:bodyPr>
+          <a:lstStyle/>
+          <a:p>
+            <a:pPr algn="l"/>
+            <a:r>
+              <a:rPr lang="en-US" altLang="zh-CN" sz="1600" dirty="0" err="1" smtClean="0"/>
+              <a:t>Git</a:t>
+            </a:r>
+            <a:r>
+              <a:rPr lang="en-US" altLang="zh-CN" sz="1600" dirty="0" smtClean="0"/>
+              <a:t> </a:t>
+            </a:r>
+            <a:r>
+              <a:rPr lang="zh-CN" altLang="en-US" sz="1600" dirty="0" smtClean="0"/>
+              <a:t>能够识别的配置项被分为了两大类：客户端和服务器端，其中大部分基于你个人工作偏好，属于客户端配置。尽管有数不尽的选项，但我只阐述 其中经常使用或者会对你的工作流产生巨大影响的选项，如果你想观察你当前的 </a:t>
+            </a:r>
+            <a:r>
+              <a:rPr lang="en-US" altLang="zh-CN" sz="1600" dirty="0" err="1" smtClean="0"/>
+              <a:t>Git</a:t>
+            </a:r>
+            <a:r>
+              <a:rPr lang="en-US" altLang="zh-CN" sz="1600" dirty="0" smtClean="0"/>
+              <a:t> </a:t>
+            </a:r>
+            <a:r>
+              <a:rPr lang="zh-CN" altLang="en-US" sz="1600" dirty="0" smtClean="0"/>
+              <a:t>能识别的选项列表，请运行</a:t>
+            </a:r>
+            <a:endParaRPr lang="zh-CN" altLang="en-US" sz="1600" dirty="0" smtClean="0"/>
+          </a:p>
+        </p:txBody>
+      </p:sp>
+      <p:sp>
+        <p:nvSpPr>
+          <p:cNvPr id="10" name="副标题 2"/>
+          <p:cNvSpPr txBox="1">
+            <a:spLocks/>
+          </p:cNvSpPr>
+          <p:nvPr/>
+        </p:nvSpPr>
+        <p:spPr>
+          <a:xfrm>
+            <a:off x="373626" y="2992799"/>
+            <a:ext cx="11336593" cy="652157"/>
+          </a:xfrm>
+          <a:prstGeom prst="rect">
+            <a:avLst/>
+          </a:prstGeom>
+        </p:spPr>
+        <p:txBody>
+          <a:bodyPr vert="horz" lIns="91440" tIns="45720" rIns="91440" bIns="45720" rtlCol="0">
+            <a:noAutofit/>
+          </a:bodyPr>
+          <a:lstStyle>
+            <a:lvl1pPr marL="0" indent="0" algn="ctr" defTabSz="914400" rtl="0" eaLnBrk="1" latinLnBrk="0" hangingPunct="1">
+              <a:lnSpc>
+                <a:spcPct val="90000"/>
+              </a:lnSpc>
+              <a:spcBef>
+                <a:spcPts val="1000"/>
+              </a:spcBef>
+              <a:buFont typeface="Arial"/>
+              <a:buNone/>
+              <a:defRPr sz="2400" kern="1200">
+                <a:solidFill>
+                  <a:schemeClr val="tx1"/>
+                </a:solidFill>
+                <a:latin typeface="+mn-lt"/>
+                <a:ea typeface="+mn-ea"/>
+                <a:cs typeface="+mn-cs"/>
+              </a:defRPr>
+            </a:lvl1pPr>
+            <a:lvl2pPr marL="457200" indent="0" algn="ctr" defTabSz="914400" rtl="0" eaLnBrk="1" latinLnBrk="0" hangingPunct="1">
+              <a:lnSpc>
+                <a:spcPct val="90000"/>
+              </a:lnSpc>
+              <a:spcBef>
+                <a:spcPts val="500"/>
+              </a:spcBef>
+              <a:buFont typeface="Arial"/>
+              <a:buNone/>
+              <a:defRPr sz="2000" kern="1200">
+                <a:solidFill>
+                  <a:schemeClr val="tx1"/>
+                </a:solidFill>
+                <a:latin typeface="+mn-lt"/>
+                <a:ea typeface="+mn-ea"/>
+                <a:cs typeface="+mn-cs"/>
+              </a:defRPr>
+            </a:lvl2pPr>
+            <a:lvl3pPr marL="914400" indent="0" algn="ctr" defTabSz="914400" rtl="0" eaLnBrk="1" latinLnBrk="0" hangingPunct="1">
+              <a:lnSpc>
+                <a:spcPct val="90000"/>
+              </a:lnSpc>
+              <a:spcBef>
+                <a:spcPts val="500"/>
+              </a:spcBef>
+              <a:buFont typeface="Arial"/>
+              <a:buNone/>
+              <a:defRPr sz="1800" kern="1200">
+                <a:solidFill>
+                  <a:schemeClr val="tx1"/>
+                </a:solidFill>
+                <a:latin typeface="+mn-lt"/>
+                <a:ea typeface="+mn-ea"/>
+                <a:cs typeface="+mn-cs"/>
+              </a:defRPr>
+            </a:lvl3pPr>
+            <a:lvl4pPr marL="1371600" indent="0" algn="ctr" defTabSz="914400" rtl="0" eaLnBrk="1" latinLnBrk="0" hangingPunct="1">
+              <a:lnSpc>
+                <a:spcPct val="90000"/>
+              </a:lnSpc>
+              <a:spcBef>
+                <a:spcPts val="500"/>
+              </a:spcBef>
+              <a:buFont typeface="Arial"/>
+              <a:buNone/>
+              <a:defRPr sz="1600" kern="1200">
+                <a:solidFill>
+                  <a:schemeClr val="tx1"/>
+                </a:solidFill>
+                <a:latin typeface="+mn-lt"/>
+                <a:ea typeface="+mn-ea"/>
+                <a:cs typeface="+mn-cs"/>
+              </a:defRPr>
+            </a:lvl4pPr>
+            <a:lvl5pPr marL="1828800" indent="0" algn="ctr" defTabSz="914400" rtl="0" eaLnBrk="1" latinLnBrk="0" hangingPunct="1">
+              <a:lnSpc>
+                <a:spcPct val="90000"/>
+              </a:lnSpc>
+              <a:spcBef>
+                <a:spcPts val="500"/>
+              </a:spcBef>
+              <a:buFont typeface="Arial"/>
+              <a:buNone/>
+              <a:defRPr sz="1600" kern="1200">
+                <a:solidFill>
+                  <a:schemeClr val="tx1"/>
+                </a:solidFill>
+                <a:latin typeface="+mn-lt"/>
+                <a:ea typeface="+mn-ea"/>
+                <a:cs typeface="+mn-cs"/>
+              </a:defRPr>
+            </a:lvl5pPr>
+            <a:lvl6pPr marL="2286000" indent="0" algn="ctr" defTabSz="914400" rtl="0" eaLnBrk="1" latinLnBrk="0" hangingPunct="1">
+              <a:lnSpc>
+                <a:spcPct val="90000"/>
+              </a:lnSpc>
+              <a:spcBef>
+                <a:spcPts val="500"/>
+              </a:spcBef>
+              <a:buFont typeface="Arial"/>
+              <a:buNone/>
+              <a:defRPr sz="1600" kern="1200">
+                <a:solidFill>
+                  <a:schemeClr val="tx1"/>
+                </a:solidFill>
+                <a:latin typeface="+mn-lt"/>
+                <a:ea typeface="+mn-ea"/>
+                <a:cs typeface="+mn-cs"/>
+              </a:defRPr>
+            </a:lvl6pPr>
+            <a:lvl7pPr marL="2743200" indent="0" algn="ctr" defTabSz="914400" rtl="0" eaLnBrk="1" latinLnBrk="0" hangingPunct="1">
+              <a:lnSpc>
+                <a:spcPct val="90000"/>
+              </a:lnSpc>
+              <a:spcBef>
+                <a:spcPts val="500"/>
+              </a:spcBef>
+              <a:buFont typeface="Arial"/>
+              <a:buNone/>
+              <a:defRPr sz="1600" kern="1200">
+                <a:solidFill>
+                  <a:schemeClr val="tx1"/>
+                </a:solidFill>
+                <a:latin typeface="+mn-lt"/>
+                <a:ea typeface="+mn-ea"/>
+                <a:cs typeface="+mn-cs"/>
+              </a:defRPr>
+            </a:lvl7pPr>
+            <a:lvl8pPr marL="3200400" indent="0" algn="ctr" defTabSz="914400" rtl="0" eaLnBrk="1" latinLnBrk="0" hangingPunct="1">
+              <a:lnSpc>
+                <a:spcPct val="90000"/>
+              </a:lnSpc>
+              <a:spcBef>
+                <a:spcPts val="500"/>
+              </a:spcBef>
+              <a:buFont typeface="Arial"/>
+              <a:buNone/>
+              <a:defRPr sz="1600" kern="1200">
+                <a:solidFill>
+                  <a:schemeClr val="tx1"/>
+                </a:solidFill>
+                <a:latin typeface="+mn-lt"/>
+                <a:ea typeface="+mn-ea"/>
+                <a:cs typeface="+mn-cs"/>
+              </a:defRPr>
+            </a:lvl8pPr>
+            <a:lvl9pPr marL="3657600" indent="0" algn="ctr" defTabSz="914400" rtl="0" eaLnBrk="1" latinLnBrk="0" hangingPunct="1">
+              <a:lnSpc>
+                <a:spcPct val="90000"/>
+              </a:lnSpc>
+              <a:spcBef>
+                <a:spcPts val="500"/>
+              </a:spcBef>
+              <a:buFont typeface="Arial"/>
+              <a:buNone/>
+              <a:defRPr sz="1600" kern="1200">
+                <a:solidFill>
+                  <a:schemeClr val="tx1"/>
+                </a:solidFill>
+                <a:latin typeface="+mn-lt"/>
+                <a:ea typeface="+mn-ea"/>
+                <a:cs typeface="+mn-cs"/>
+              </a:defRPr>
+            </a:lvl9pPr>
+          </a:lstStyle>
+          <a:p>
+            <a:pPr algn="l"/>
+            <a:r>
+              <a:rPr lang="en-US" altLang="zh-CN" sz="1600" dirty="0" err="1" smtClean="0"/>
+              <a:t>git</a:t>
+            </a:r>
+            <a:r>
+              <a:rPr lang="en-US" altLang="zh-CN" sz="1600" dirty="0" smtClean="0"/>
+              <a:t> </a:t>
+            </a:r>
+            <a:r>
+              <a:rPr lang="en-US" altLang="zh-CN" sz="1600" dirty="0" err="1" smtClean="0"/>
+              <a:t>config</a:t>
+            </a:r>
+            <a:r>
+              <a:rPr lang="zh-CN" altLang="en-US" sz="1600" dirty="0" smtClean="0"/>
+              <a:t>的手册页（译注：以</a:t>
+            </a:r>
+            <a:r>
+              <a:rPr lang="en-US" altLang="zh-CN" sz="1600" dirty="0" smtClean="0"/>
+              <a:t>man</a:t>
+            </a:r>
+            <a:r>
+              <a:rPr lang="zh-CN" altLang="en-US" sz="1600" dirty="0" smtClean="0"/>
+              <a:t>命令的显示方式）非常细致地罗列了所有可用的配置项。</a:t>
+            </a:r>
+            <a:endParaRPr lang="zh-CN" altLang="en-US" sz="1600" dirty="0"/>
+          </a:p>
+        </p:txBody>
+      </p:sp>
       <p:pic>
         <p:nvPicPr>
-          <p:cNvPr id="11" name="图片 10" descr="8.png"/>
+          <p:cNvPr id="11" name="图片 10" descr="2.png"/>
+          <p:cNvPicPr>
+            <a:picLocks noChangeAspect="1"/>
+          </p:cNvPicPr>
+          <p:nvPr/>
+        </p:nvPicPr>
+        <p:blipFill>
+          <a:blip r:embed="rId2"/>
+          <a:stretch>
+            <a:fillRect/>
+          </a:stretch>
+        </p:blipFill>
+        <p:spPr>
+          <a:xfrm>
+            <a:off x="671512" y="1981506"/>
+            <a:ext cx="5162550" cy="695325"/>
+          </a:xfrm>
+          <a:prstGeom prst="rect">
+            <a:avLst/>
+          </a:prstGeom>
+        </p:spPr>
+      </p:pic>
+      <p:sp>
+        <p:nvSpPr>
+          <p:cNvPr id="15" name="副标题 2"/>
+          <p:cNvSpPr txBox="1">
+            <a:spLocks/>
+          </p:cNvSpPr>
+          <p:nvPr/>
+        </p:nvSpPr>
+        <p:spPr>
+          <a:xfrm>
+            <a:off x="373626" y="3644956"/>
+            <a:ext cx="11336593" cy="830317"/>
+          </a:xfrm>
+          <a:prstGeom prst="rect">
+            <a:avLst/>
+          </a:prstGeom>
+        </p:spPr>
+        <p:txBody>
+          <a:bodyPr vert="horz" lIns="91440" tIns="45720" rIns="91440" bIns="45720" rtlCol="0">
+            <a:noAutofit/>
+          </a:bodyPr>
+          <a:lstStyle/>
+          <a:p>
+            <a:r>
+              <a:rPr lang="en-US" altLang="zh-CN" sz="1600" b="1" dirty="0" err="1" smtClean="0"/>
+              <a:t>core.editor</a:t>
+            </a:r>
+            <a:endParaRPr lang="en-US" altLang="zh-CN" sz="1600" b="1" dirty="0" smtClean="0"/>
+          </a:p>
+          <a:p>
+            <a:r>
+              <a:rPr lang="en-US" altLang="zh-CN" sz="1600" dirty="0" err="1" smtClean="0"/>
+              <a:t>Git</a:t>
+            </a:r>
+            <a:r>
+              <a:rPr lang="zh-CN" altLang="en-US" sz="1600" dirty="0" smtClean="0"/>
+              <a:t>默认会调用你的环境变量</a:t>
+            </a:r>
+            <a:r>
+              <a:rPr lang="en-US" altLang="zh-CN" sz="1600" dirty="0" smtClean="0"/>
+              <a:t>editor</a:t>
+            </a:r>
+            <a:r>
+              <a:rPr lang="zh-CN" altLang="en-US" sz="1600" dirty="0" smtClean="0"/>
+              <a:t>定义的值作为文本编辑器，如果没有定义的话，会调用</a:t>
+            </a:r>
+            <a:r>
+              <a:rPr lang="en-US" altLang="zh-CN" sz="1600" dirty="0" smtClean="0"/>
+              <a:t>Vi</a:t>
+            </a:r>
+            <a:r>
+              <a:rPr lang="zh-CN" altLang="en-US" sz="1600" dirty="0" smtClean="0"/>
+              <a:t>来创建和编辑提交以及标签信息， 你可以使用</a:t>
+            </a:r>
+            <a:r>
+              <a:rPr lang="en-US" altLang="zh-CN" sz="1600" dirty="0" err="1" smtClean="0"/>
+              <a:t>core.editor</a:t>
+            </a:r>
+            <a:r>
+              <a:rPr lang="zh-CN" altLang="en-US" sz="1600" dirty="0" smtClean="0"/>
+              <a:t>改变默认编辑器：</a:t>
+            </a:r>
+            <a:endParaRPr lang="zh-CN" altLang="en-US" sz="1600" dirty="0"/>
+          </a:p>
+        </p:txBody>
+      </p:sp>
+      <p:pic>
+        <p:nvPicPr>
+          <p:cNvPr id="16" name="图片 15" descr="3.png"/>
           <p:cNvPicPr>
             <a:picLocks noChangeAspect="1"/>
           </p:cNvPicPr>
@@ -5005,8 +7395,659 @@
         </p:blipFill>
         <p:spPr>
           <a:xfrm>
-            <a:off x="642936" y="3190875"/>
-            <a:ext cx="6238875" cy="1933575"/>
+            <a:off x="671512" y="4781550"/>
+            <a:ext cx="6381750" cy="523875"/>
+          </a:xfrm>
+          <a:prstGeom prst="rect">
+            <a:avLst/>
+          </a:prstGeom>
+        </p:spPr>
+      </p:pic>
+      <p:sp>
+        <p:nvSpPr>
+          <p:cNvPr id="17" name="副标题 2"/>
+          <p:cNvSpPr txBox="1">
+            <a:spLocks/>
+          </p:cNvSpPr>
+          <p:nvPr/>
+        </p:nvSpPr>
+        <p:spPr>
+          <a:xfrm>
+            <a:off x="373626" y="5631503"/>
+            <a:ext cx="11336593" cy="652157"/>
+          </a:xfrm>
+          <a:prstGeom prst="rect">
+            <a:avLst/>
+          </a:prstGeom>
+        </p:spPr>
+        <p:txBody>
+          <a:bodyPr vert="horz" lIns="91440" tIns="45720" rIns="91440" bIns="45720" rtlCol="0">
+            <a:noAutofit/>
+          </a:bodyPr>
+          <a:lstStyle>
+            <a:lvl1pPr marL="0" indent="0" algn="ctr" defTabSz="914400" rtl="0" eaLnBrk="1" latinLnBrk="0" hangingPunct="1">
+              <a:lnSpc>
+                <a:spcPct val="90000"/>
+              </a:lnSpc>
+              <a:spcBef>
+                <a:spcPts val="1000"/>
+              </a:spcBef>
+              <a:buFont typeface="Arial"/>
+              <a:buNone/>
+              <a:defRPr sz="2400" kern="1200">
+                <a:solidFill>
+                  <a:schemeClr val="tx1"/>
+                </a:solidFill>
+                <a:latin typeface="+mn-lt"/>
+                <a:ea typeface="+mn-ea"/>
+                <a:cs typeface="+mn-cs"/>
+              </a:defRPr>
+            </a:lvl1pPr>
+            <a:lvl2pPr marL="457200" indent="0" algn="ctr" defTabSz="914400" rtl="0" eaLnBrk="1" latinLnBrk="0" hangingPunct="1">
+              <a:lnSpc>
+                <a:spcPct val="90000"/>
+              </a:lnSpc>
+              <a:spcBef>
+                <a:spcPts val="500"/>
+              </a:spcBef>
+              <a:buFont typeface="Arial"/>
+              <a:buNone/>
+              <a:defRPr sz="2000" kern="1200">
+                <a:solidFill>
+                  <a:schemeClr val="tx1"/>
+                </a:solidFill>
+                <a:latin typeface="+mn-lt"/>
+                <a:ea typeface="+mn-ea"/>
+                <a:cs typeface="+mn-cs"/>
+              </a:defRPr>
+            </a:lvl2pPr>
+            <a:lvl3pPr marL="914400" indent="0" algn="ctr" defTabSz="914400" rtl="0" eaLnBrk="1" latinLnBrk="0" hangingPunct="1">
+              <a:lnSpc>
+                <a:spcPct val="90000"/>
+              </a:lnSpc>
+              <a:spcBef>
+                <a:spcPts val="500"/>
+              </a:spcBef>
+              <a:buFont typeface="Arial"/>
+              <a:buNone/>
+              <a:defRPr sz="1800" kern="1200">
+                <a:solidFill>
+                  <a:schemeClr val="tx1"/>
+                </a:solidFill>
+                <a:latin typeface="+mn-lt"/>
+                <a:ea typeface="+mn-ea"/>
+                <a:cs typeface="+mn-cs"/>
+              </a:defRPr>
+            </a:lvl3pPr>
+            <a:lvl4pPr marL="1371600" indent="0" algn="ctr" defTabSz="914400" rtl="0" eaLnBrk="1" latinLnBrk="0" hangingPunct="1">
+              <a:lnSpc>
+                <a:spcPct val="90000"/>
+              </a:lnSpc>
+              <a:spcBef>
+                <a:spcPts val="500"/>
+              </a:spcBef>
+              <a:buFont typeface="Arial"/>
+              <a:buNone/>
+              <a:defRPr sz="1600" kern="1200">
+                <a:solidFill>
+                  <a:schemeClr val="tx1"/>
+                </a:solidFill>
+                <a:latin typeface="+mn-lt"/>
+                <a:ea typeface="+mn-ea"/>
+                <a:cs typeface="+mn-cs"/>
+              </a:defRPr>
+            </a:lvl4pPr>
+            <a:lvl5pPr marL="1828800" indent="0" algn="ctr" defTabSz="914400" rtl="0" eaLnBrk="1" latinLnBrk="0" hangingPunct="1">
+              <a:lnSpc>
+                <a:spcPct val="90000"/>
+              </a:lnSpc>
+              <a:spcBef>
+                <a:spcPts val="500"/>
+              </a:spcBef>
+              <a:buFont typeface="Arial"/>
+              <a:buNone/>
+              <a:defRPr sz="1600" kern="1200">
+                <a:solidFill>
+                  <a:schemeClr val="tx1"/>
+                </a:solidFill>
+                <a:latin typeface="+mn-lt"/>
+                <a:ea typeface="+mn-ea"/>
+                <a:cs typeface="+mn-cs"/>
+              </a:defRPr>
+            </a:lvl5pPr>
+            <a:lvl6pPr marL="2286000" indent="0" algn="ctr" defTabSz="914400" rtl="0" eaLnBrk="1" latinLnBrk="0" hangingPunct="1">
+              <a:lnSpc>
+                <a:spcPct val="90000"/>
+              </a:lnSpc>
+              <a:spcBef>
+                <a:spcPts val="500"/>
+              </a:spcBef>
+              <a:buFont typeface="Arial"/>
+              <a:buNone/>
+              <a:defRPr sz="1600" kern="1200">
+                <a:solidFill>
+                  <a:schemeClr val="tx1"/>
+                </a:solidFill>
+                <a:latin typeface="+mn-lt"/>
+                <a:ea typeface="+mn-ea"/>
+                <a:cs typeface="+mn-cs"/>
+              </a:defRPr>
+            </a:lvl6pPr>
+            <a:lvl7pPr marL="2743200" indent="0" algn="ctr" defTabSz="914400" rtl="0" eaLnBrk="1" latinLnBrk="0" hangingPunct="1">
+              <a:lnSpc>
+                <a:spcPct val="90000"/>
+              </a:lnSpc>
+              <a:spcBef>
+                <a:spcPts val="500"/>
+              </a:spcBef>
+              <a:buFont typeface="Arial"/>
+              <a:buNone/>
+              <a:defRPr sz="1600" kern="1200">
+                <a:solidFill>
+                  <a:schemeClr val="tx1"/>
+                </a:solidFill>
+                <a:latin typeface="+mn-lt"/>
+                <a:ea typeface="+mn-ea"/>
+                <a:cs typeface="+mn-cs"/>
+              </a:defRPr>
+            </a:lvl7pPr>
+            <a:lvl8pPr marL="3200400" indent="0" algn="ctr" defTabSz="914400" rtl="0" eaLnBrk="1" latinLnBrk="0" hangingPunct="1">
+              <a:lnSpc>
+                <a:spcPct val="90000"/>
+              </a:lnSpc>
+              <a:spcBef>
+                <a:spcPts val="500"/>
+              </a:spcBef>
+              <a:buFont typeface="Arial"/>
+              <a:buNone/>
+              <a:defRPr sz="1600" kern="1200">
+                <a:solidFill>
+                  <a:schemeClr val="tx1"/>
+                </a:solidFill>
+                <a:latin typeface="+mn-lt"/>
+                <a:ea typeface="+mn-ea"/>
+                <a:cs typeface="+mn-cs"/>
+              </a:defRPr>
+            </a:lvl8pPr>
+            <a:lvl9pPr marL="3657600" indent="0" algn="ctr" defTabSz="914400" rtl="0" eaLnBrk="1" latinLnBrk="0" hangingPunct="1">
+              <a:lnSpc>
+                <a:spcPct val="90000"/>
+              </a:lnSpc>
+              <a:spcBef>
+                <a:spcPts val="500"/>
+              </a:spcBef>
+              <a:buFont typeface="Arial"/>
+              <a:buNone/>
+              <a:defRPr sz="1600" kern="1200">
+                <a:solidFill>
+                  <a:schemeClr val="tx1"/>
+                </a:solidFill>
+                <a:latin typeface="+mn-lt"/>
+                <a:ea typeface="+mn-ea"/>
+                <a:cs typeface="+mn-cs"/>
+              </a:defRPr>
+            </a:lvl9pPr>
+          </a:lstStyle>
+          <a:p>
+            <a:pPr algn="l"/>
+            <a:r>
+              <a:rPr lang="zh-CN" altLang="en-US" sz="1600" dirty="0" smtClean="0"/>
+              <a:t>现在无论你的环境变量</a:t>
+            </a:r>
+            <a:r>
+              <a:rPr lang="en-US" altLang="zh-CN" sz="1600" dirty="0" smtClean="0"/>
+              <a:t>editor</a:t>
+            </a:r>
+            <a:r>
+              <a:rPr lang="zh-CN" altLang="en-US" sz="1600" dirty="0" smtClean="0"/>
+              <a:t>被定义成什么，</a:t>
+            </a:r>
+            <a:r>
+              <a:rPr lang="en-US" altLang="zh-CN" sz="1600" dirty="0" err="1" smtClean="0"/>
+              <a:t>Git</a:t>
+            </a:r>
+            <a:r>
+              <a:rPr lang="en-US" altLang="zh-CN" sz="1600" dirty="0" smtClean="0"/>
+              <a:t> </a:t>
+            </a:r>
+            <a:r>
+              <a:rPr lang="zh-CN" altLang="en-US" sz="1600" dirty="0" smtClean="0"/>
+              <a:t>都会调用</a:t>
+            </a:r>
+            <a:r>
+              <a:rPr lang="en-US" altLang="zh-CN" sz="1600" dirty="0" err="1" smtClean="0"/>
+              <a:t>Emacs</a:t>
+            </a:r>
+            <a:r>
+              <a:rPr lang="zh-CN" altLang="en-US" sz="1600" dirty="0" smtClean="0"/>
+              <a:t>编辑信息。</a:t>
+            </a:r>
+            <a:endParaRPr lang="zh-CN" altLang="en-US" sz="1600" dirty="0"/>
+          </a:p>
+        </p:txBody>
+      </p:sp>
+    </p:spTree>
+    <p:extLst>
+      <p:ext uri="{BB962C8B-B14F-4D97-AF65-F5344CB8AC3E}">
+        <p14:creationId xmlns="" xmlns:p14="http://schemas.microsoft.com/office/powerpoint/2010/main" val="1866000081"/>
+      </p:ext>
+    </p:extLst>
+  </p:cSld>
+  <p:clrMapOvr>
+    <a:masterClrMapping/>
+  </p:clrMapOvr>
+</p:sld>
+</file>
+
+<file path=ppt/slides/slide8.xml><?xml version="1.0" encoding="utf-8"?>
+<p:sld xmlns:a="http://schemas.openxmlformats.org/drawingml/2006/main" xmlns:r="http://schemas.openxmlformats.org/officeDocument/2006/relationships" xmlns:p="http://schemas.openxmlformats.org/presentationml/2006/main">
+  <p:cSld>
+    <p:spTree>
+      <p:nvGrpSpPr>
+        <p:cNvPr id="1" name=""/>
+        <p:cNvGrpSpPr/>
+        <p:nvPr/>
+      </p:nvGrpSpPr>
+      <p:grpSpPr>
+        <a:xfrm>
+          <a:off x="0" y="0"/>
+          <a:ext cx="0" cy="0"/>
+          <a:chOff x="0" y="0"/>
+          <a:chExt cx="0" cy="0"/>
+        </a:xfrm>
+      </p:grpSpPr>
+      <p:sp>
+        <p:nvSpPr>
+          <p:cNvPr id="2" name="标题 1"/>
+          <p:cNvSpPr>
+            <a:spLocks noGrp="1"/>
+          </p:cNvSpPr>
+          <p:nvPr>
+            <p:ph type="ctrTitle"/>
+          </p:nvPr>
+        </p:nvSpPr>
+        <p:spPr>
+          <a:xfrm>
+            <a:off x="373626" y="309716"/>
+            <a:ext cx="8198874" cy="840658"/>
+          </a:xfrm>
+        </p:spPr>
+        <p:txBody>
+          <a:bodyPr>
+            <a:normAutofit fontScale="90000"/>
+          </a:bodyPr>
+          <a:lstStyle/>
+          <a:p>
+            <a:pPr algn="l"/>
+            <a:r>
+              <a:rPr lang="zh-CN" altLang="en-US" sz="5400" dirty="0" smtClean="0">
+                <a:latin typeface="+mj-ea"/>
+              </a:rPr>
+              <a:t>自定义</a:t>
+            </a:r>
+            <a:r>
+              <a:rPr lang="en-US" altLang="zh-CN" sz="5400" dirty="0" err="1" smtClean="0">
+                <a:latin typeface="+mj-ea"/>
+              </a:rPr>
+              <a:t>Git</a:t>
+            </a:r>
+            <a:r>
+              <a:rPr lang="en-US" altLang="zh-CN" sz="5400" dirty="0" smtClean="0">
+                <a:latin typeface="+mj-ea"/>
+              </a:rPr>
+              <a:t>-</a:t>
+            </a:r>
+            <a:r>
+              <a:rPr lang="zh-CN" altLang="en-US" sz="5400" dirty="0" smtClean="0">
+                <a:latin typeface="+mj-ea"/>
+              </a:rPr>
+              <a:t>客户端基本配置</a:t>
+            </a:r>
+            <a:endParaRPr lang="zh-CN" altLang="en-US" sz="5400" dirty="0">
+              <a:latin typeface="+mj-ea"/>
+            </a:endParaRPr>
+          </a:p>
+        </p:txBody>
+      </p:sp>
+      <p:sp>
+        <p:nvSpPr>
+          <p:cNvPr id="9" name="副标题 2"/>
+          <p:cNvSpPr>
+            <a:spLocks noGrp="1"/>
+          </p:cNvSpPr>
+          <p:nvPr>
+            <p:ph type="subTitle" idx="1"/>
+          </p:nvPr>
+        </p:nvSpPr>
+        <p:spPr>
+          <a:xfrm>
+            <a:off x="373626" y="1212795"/>
+            <a:ext cx="11336593" cy="830317"/>
+          </a:xfrm>
+        </p:spPr>
+        <p:txBody>
+          <a:bodyPr>
+            <a:noAutofit/>
+          </a:bodyPr>
+          <a:lstStyle/>
+          <a:p>
+            <a:pPr algn="l"/>
+            <a:r>
+              <a:rPr lang="en-US" altLang="zh-CN" sz="1600" b="1" dirty="0" err="1" smtClean="0"/>
+              <a:t>commit.template</a:t>
+            </a:r>
+            <a:endParaRPr lang="en-US" altLang="zh-CN" sz="1600" b="1" dirty="0" smtClean="0"/>
+          </a:p>
+          <a:p>
+            <a:pPr algn="l"/>
+            <a:r>
+              <a:rPr lang="zh-CN" altLang="en-US" sz="1600" dirty="0" smtClean="0"/>
+              <a:t>如果把此项指定为你系统上的一个文件，当你提交的时候， </a:t>
+            </a:r>
+            <a:r>
+              <a:rPr lang="en-US" altLang="zh-CN" sz="1600" dirty="0" err="1" smtClean="0"/>
+              <a:t>Git</a:t>
+            </a:r>
+            <a:r>
+              <a:rPr lang="en-US" altLang="zh-CN" sz="1600" dirty="0" smtClean="0"/>
+              <a:t> </a:t>
+            </a:r>
+            <a:r>
+              <a:rPr lang="zh-CN" altLang="en-US" sz="1600" dirty="0" smtClean="0"/>
+              <a:t>会默认使用该文件定义的内容。 例如：你创建了一个模板文件</a:t>
+            </a:r>
+            <a:r>
+              <a:rPr lang="en-US" altLang="zh-CN" sz="1600" dirty="0" smtClean="0"/>
+              <a:t>$HOME/.</a:t>
+            </a:r>
+            <a:r>
+              <a:rPr lang="en-US" altLang="zh-CN" sz="1600" dirty="0" err="1" smtClean="0"/>
+              <a:t>gitmessage.txt</a:t>
+            </a:r>
+            <a:r>
+              <a:rPr lang="zh-CN" altLang="en-US" sz="1600" dirty="0" smtClean="0"/>
+              <a:t>，它看起来像这样：</a:t>
+            </a:r>
+          </a:p>
+        </p:txBody>
+      </p:sp>
+      <p:sp>
+        <p:nvSpPr>
+          <p:cNvPr id="10" name="副标题 2"/>
+          <p:cNvSpPr txBox="1">
+            <a:spLocks/>
+          </p:cNvSpPr>
+          <p:nvPr/>
+        </p:nvSpPr>
+        <p:spPr>
+          <a:xfrm>
+            <a:off x="373626" y="3203757"/>
+            <a:ext cx="11336593" cy="421914"/>
+          </a:xfrm>
+          <a:prstGeom prst="rect">
+            <a:avLst/>
+          </a:prstGeom>
+        </p:spPr>
+        <p:txBody>
+          <a:bodyPr vert="horz" lIns="91440" tIns="45720" rIns="91440" bIns="45720" rtlCol="0">
+            <a:noAutofit/>
+          </a:bodyPr>
+          <a:lstStyle>
+            <a:lvl1pPr marL="0" indent="0" algn="ctr" defTabSz="914400" rtl="0" eaLnBrk="1" latinLnBrk="0" hangingPunct="1">
+              <a:lnSpc>
+                <a:spcPct val="90000"/>
+              </a:lnSpc>
+              <a:spcBef>
+                <a:spcPts val="1000"/>
+              </a:spcBef>
+              <a:buFont typeface="Arial"/>
+              <a:buNone/>
+              <a:defRPr sz="2400" kern="1200">
+                <a:solidFill>
+                  <a:schemeClr val="tx1"/>
+                </a:solidFill>
+                <a:latin typeface="+mn-lt"/>
+                <a:ea typeface="+mn-ea"/>
+                <a:cs typeface="+mn-cs"/>
+              </a:defRPr>
+            </a:lvl1pPr>
+            <a:lvl2pPr marL="457200" indent="0" algn="ctr" defTabSz="914400" rtl="0" eaLnBrk="1" latinLnBrk="0" hangingPunct="1">
+              <a:lnSpc>
+                <a:spcPct val="90000"/>
+              </a:lnSpc>
+              <a:spcBef>
+                <a:spcPts val="500"/>
+              </a:spcBef>
+              <a:buFont typeface="Arial"/>
+              <a:buNone/>
+              <a:defRPr sz="2000" kern="1200">
+                <a:solidFill>
+                  <a:schemeClr val="tx1"/>
+                </a:solidFill>
+                <a:latin typeface="+mn-lt"/>
+                <a:ea typeface="+mn-ea"/>
+                <a:cs typeface="+mn-cs"/>
+              </a:defRPr>
+            </a:lvl2pPr>
+            <a:lvl3pPr marL="914400" indent="0" algn="ctr" defTabSz="914400" rtl="0" eaLnBrk="1" latinLnBrk="0" hangingPunct="1">
+              <a:lnSpc>
+                <a:spcPct val="90000"/>
+              </a:lnSpc>
+              <a:spcBef>
+                <a:spcPts val="500"/>
+              </a:spcBef>
+              <a:buFont typeface="Arial"/>
+              <a:buNone/>
+              <a:defRPr sz="1800" kern="1200">
+                <a:solidFill>
+                  <a:schemeClr val="tx1"/>
+                </a:solidFill>
+                <a:latin typeface="+mn-lt"/>
+                <a:ea typeface="+mn-ea"/>
+                <a:cs typeface="+mn-cs"/>
+              </a:defRPr>
+            </a:lvl3pPr>
+            <a:lvl4pPr marL="1371600" indent="0" algn="ctr" defTabSz="914400" rtl="0" eaLnBrk="1" latinLnBrk="0" hangingPunct="1">
+              <a:lnSpc>
+                <a:spcPct val="90000"/>
+              </a:lnSpc>
+              <a:spcBef>
+                <a:spcPts val="500"/>
+              </a:spcBef>
+              <a:buFont typeface="Arial"/>
+              <a:buNone/>
+              <a:defRPr sz="1600" kern="1200">
+                <a:solidFill>
+                  <a:schemeClr val="tx1"/>
+                </a:solidFill>
+                <a:latin typeface="+mn-lt"/>
+                <a:ea typeface="+mn-ea"/>
+                <a:cs typeface="+mn-cs"/>
+              </a:defRPr>
+            </a:lvl4pPr>
+            <a:lvl5pPr marL="1828800" indent="0" algn="ctr" defTabSz="914400" rtl="0" eaLnBrk="1" latinLnBrk="0" hangingPunct="1">
+              <a:lnSpc>
+                <a:spcPct val="90000"/>
+              </a:lnSpc>
+              <a:spcBef>
+                <a:spcPts val="500"/>
+              </a:spcBef>
+              <a:buFont typeface="Arial"/>
+              <a:buNone/>
+              <a:defRPr sz="1600" kern="1200">
+                <a:solidFill>
+                  <a:schemeClr val="tx1"/>
+                </a:solidFill>
+                <a:latin typeface="+mn-lt"/>
+                <a:ea typeface="+mn-ea"/>
+                <a:cs typeface="+mn-cs"/>
+              </a:defRPr>
+            </a:lvl5pPr>
+            <a:lvl6pPr marL="2286000" indent="0" algn="ctr" defTabSz="914400" rtl="0" eaLnBrk="1" latinLnBrk="0" hangingPunct="1">
+              <a:lnSpc>
+                <a:spcPct val="90000"/>
+              </a:lnSpc>
+              <a:spcBef>
+                <a:spcPts val="500"/>
+              </a:spcBef>
+              <a:buFont typeface="Arial"/>
+              <a:buNone/>
+              <a:defRPr sz="1600" kern="1200">
+                <a:solidFill>
+                  <a:schemeClr val="tx1"/>
+                </a:solidFill>
+                <a:latin typeface="+mn-lt"/>
+                <a:ea typeface="+mn-ea"/>
+                <a:cs typeface="+mn-cs"/>
+              </a:defRPr>
+            </a:lvl6pPr>
+            <a:lvl7pPr marL="2743200" indent="0" algn="ctr" defTabSz="914400" rtl="0" eaLnBrk="1" latinLnBrk="0" hangingPunct="1">
+              <a:lnSpc>
+                <a:spcPct val="90000"/>
+              </a:lnSpc>
+              <a:spcBef>
+                <a:spcPts val="500"/>
+              </a:spcBef>
+              <a:buFont typeface="Arial"/>
+              <a:buNone/>
+              <a:defRPr sz="1600" kern="1200">
+                <a:solidFill>
+                  <a:schemeClr val="tx1"/>
+                </a:solidFill>
+                <a:latin typeface="+mn-lt"/>
+                <a:ea typeface="+mn-ea"/>
+                <a:cs typeface="+mn-cs"/>
+              </a:defRPr>
+            </a:lvl7pPr>
+            <a:lvl8pPr marL="3200400" indent="0" algn="ctr" defTabSz="914400" rtl="0" eaLnBrk="1" latinLnBrk="0" hangingPunct="1">
+              <a:lnSpc>
+                <a:spcPct val="90000"/>
+              </a:lnSpc>
+              <a:spcBef>
+                <a:spcPts val="500"/>
+              </a:spcBef>
+              <a:buFont typeface="Arial"/>
+              <a:buNone/>
+              <a:defRPr sz="1600" kern="1200">
+                <a:solidFill>
+                  <a:schemeClr val="tx1"/>
+                </a:solidFill>
+                <a:latin typeface="+mn-lt"/>
+                <a:ea typeface="+mn-ea"/>
+                <a:cs typeface="+mn-cs"/>
+              </a:defRPr>
+            </a:lvl8pPr>
+            <a:lvl9pPr marL="3657600" indent="0" algn="ctr" defTabSz="914400" rtl="0" eaLnBrk="1" latinLnBrk="0" hangingPunct="1">
+              <a:lnSpc>
+                <a:spcPct val="90000"/>
+              </a:lnSpc>
+              <a:spcBef>
+                <a:spcPts val="500"/>
+              </a:spcBef>
+              <a:buFont typeface="Arial"/>
+              <a:buNone/>
+              <a:defRPr sz="1600" kern="1200">
+                <a:solidFill>
+                  <a:schemeClr val="tx1"/>
+                </a:solidFill>
+                <a:latin typeface="+mn-lt"/>
+                <a:ea typeface="+mn-ea"/>
+                <a:cs typeface="+mn-cs"/>
+              </a:defRPr>
+            </a:lvl9pPr>
+          </a:lstStyle>
+          <a:p>
+            <a:pPr algn="l"/>
+            <a:r>
+              <a:rPr lang="zh-CN" altLang="en-US" sz="1600" dirty="0" smtClean="0"/>
+              <a:t>设置</a:t>
+            </a:r>
+            <a:r>
+              <a:rPr lang="en-US" altLang="zh-CN" sz="1600" dirty="0" err="1" smtClean="0"/>
+              <a:t>commit.template</a:t>
+            </a:r>
+            <a:r>
+              <a:rPr lang="zh-CN" altLang="en-US" sz="1600" dirty="0" smtClean="0"/>
+              <a:t>，当运行</a:t>
+            </a:r>
+            <a:r>
+              <a:rPr lang="en-US" altLang="zh-CN" sz="1600" dirty="0" err="1" smtClean="0"/>
+              <a:t>git</a:t>
+            </a:r>
+            <a:r>
+              <a:rPr lang="en-US" altLang="zh-CN" sz="1600" dirty="0" smtClean="0"/>
+              <a:t> commit</a:t>
+            </a:r>
+            <a:r>
+              <a:rPr lang="zh-CN" altLang="en-US" sz="1600" dirty="0" smtClean="0"/>
+              <a:t>时， </a:t>
+            </a:r>
+            <a:r>
+              <a:rPr lang="en-US" altLang="zh-CN" sz="1600" dirty="0" err="1" smtClean="0"/>
+              <a:t>Git</a:t>
+            </a:r>
+            <a:r>
+              <a:rPr lang="en-US" altLang="zh-CN" sz="1600" dirty="0" smtClean="0"/>
+              <a:t> </a:t>
+            </a:r>
+            <a:r>
+              <a:rPr lang="zh-CN" altLang="en-US" sz="1600" dirty="0" smtClean="0"/>
+              <a:t>会在你的编辑器中显示以上的内容， 设置</a:t>
+            </a:r>
+            <a:r>
+              <a:rPr lang="en-US" altLang="zh-CN" sz="1600" dirty="0" err="1" smtClean="0"/>
+              <a:t>commit.template</a:t>
+            </a:r>
+            <a:r>
+              <a:rPr lang="zh-CN" altLang="en-US" sz="1600" dirty="0" smtClean="0"/>
+              <a:t>如下：</a:t>
+            </a:r>
+            <a:endParaRPr lang="zh-CN" altLang="en-US" sz="1600" dirty="0"/>
+          </a:p>
+        </p:txBody>
+      </p:sp>
+      <p:pic>
+        <p:nvPicPr>
+          <p:cNvPr id="12" name="图片 11" descr="4.png"/>
+          <p:cNvPicPr>
+            <a:picLocks noChangeAspect="1"/>
+          </p:cNvPicPr>
+          <p:nvPr/>
+        </p:nvPicPr>
+        <p:blipFill>
+          <a:blip r:embed="rId2"/>
+          <a:stretch>
+            <a:fillRect/>
+          </a:stretch>
+        </p:blipFill>
+        <p:spPr>
+          <a:xfrm>
+            <a:off x="671512" y="2043112"/>
+            <a:ext cx="4895850" cy="1171575"/>
+          </a:xfrm>
+          <a:prstGeom prst="rect">
+            <a:avLst/>
+          </a:prstGeom>
+        </p:spPr>
+      </p:pic>
+      <p:pic>
+        <p:nvPicPr>
+          <p:cNvPr id="14" name="图片 13" descr="5.png"/>
+          <p:cNvPicPr>
+            <a:picLocks noChangeAspect="1"/>
+          </p:cNvPicPr>
+          <p:nvPr/>
+        </p:nvPicPr>
+        <p:blipFill>
+          <a:blip r:embed="rId3"/>
+          <a:stretch>
+            <a:fillRect/>
+          </a:stretch>
+        </p:blipFill>
+        <p:spPr>
+          <a:xfrm>
+            <a:off x="671512" y="3448048"/>
+            <a:ext cx="6696075" cy="809625"/>
           </a:xfrm>
           <a:prstGeom prst="rect">
             <a:avLst/>
@@ -5016,7 +8057,220 @@
     </p:spTree>
     <p:extLst>
       <p:ext uri="{BB962C8B-B14F-4D97-AF65-F5344CB8AC3E}">
-        <p14:creationId xmlns:p14="http://schemas.microsoft.com/office/powerpoint/2010/main" xmlns="" val="1866000081"/>
+        <p14:creationId xmlns="" xmlns:p14="http://schemas.microsoft.com/office/powerpoint/2010/main" val="1866000081"/>
+      </p:ext>
+    </p:extLst>
+  </p:cSld>
+  <p:clrMapOvr>
+    <a:masterClrMapping/>
+  </p:clrMapOvr>
+</p:sld>
+</file>
+
+<file path=ppt/slides/slide9.xml><?xml version="1.0" encoding="utf-8"?>
+<p:sld xmlns:a="http://schemas.openxmlformats.org/drawingml/2006/main" xmlns:r="http://schemas.openxmlformats.org/officeDocument/2006/relationships" xmlns:p="http://schemas.openxmlformats.org/presentationml/2006/main">
+  <p:cSld>
+    <p:spTree>
+      <p:nvGrpSpPr>
+        <p:cNvPr id="1" name=""/>
+        <p:cNvGrpSpPr/>
+        <p:nvPr/>
+      </p:nvGrpSpPr>
+      <p:grpSpPr>
+        <a:xfrm>
+          <a:off x="0" y="0"/>
+          <a:ext cx="0" cy="0"/>
+          <a:chOff x="0" y="0"/>
+          <a:chExt cx="0" cy="0"/>
+        </a:xfrm>
+      </p:grpSpPr>
+      <p:sp>
+        <p:nvSpPr>
+          <p:cNvPr id="2" name="标题 1"/>
+          <p:cNvSpPr>
+            <a:spLocks noGrp="1"/>
+          </p:cNvSpPr>
+          <p:nvPr>
+            <p:ph type="ctrTitle"/>
+          </p:nvPr>
+        </p:nvSpPr>
+        <p:spPr>
+          <a:xfrm>
+            <a:off x="373626" y="309716"/>
+            <a:ext cx="8198874" cy="840658"/>
+          </a:xfrm>
+        </p:spPr>
+        <p:txBody>
+          <a:bodyPr>
+            <a:normAutofit fontScale="90000"/>
+          </a:bodyPr>
+          <a:lstStyle/>
+          <a:p>
+            <a:pPr algn="l"/>
+            <a:r>
+              <a:rPr lang="zh-CN" altLang="en-US" sz="5400" dirty="0" smtClean="0">
+                <a:latin typeface="+mj-ea"/>
+              </a:rPr>
+              <a:t>自定义</a:t>
+            </a:r>
+            <a:r>
+              <a:rPr lang="en-US" altLang="zh-CN" sz="5400" dirty="0" err="1" smtClean="0">
+                <a:latin typeface="+mj-ea"/>
+              </a:rPr>
+              <a:t>Git</a:t>
+            </a:r>
+            <a:r>
+              <a:rPr lang="en-US" altLang="zh-CN" sz="5400" dirty="0" smtClean="0">
+                <a:latin typeface="+mj-ea"/>
+              </a:rPr>
+              <a:t>-</a:t>
+            </a:r>
+            <a:r>
+              <a:rPr lang="zh-CN" altLang="en-US" sz="5400" dirty="0" smtClean="0">
+                <a:latin typeface="+mj-ea"/>
+              </a:rPr>
+              <a:t>客户端基本配置</a:t>
+            </a:r>
+            <a:endParaRPr lang="zh-CN" altLang="en-US" sz="5400" dirty="0">
+              <a:latin typeface="+mj-ea"/>
+            </a:endParaRPr>
+          </a:p>
+        </p:txBody>
+      </p:sp>
+      <p:sp>
+        <p:nvSpPr>
+          <p:cNvPr id="9" name="副标题 2"/>
+          <p:cNvSpPr>
+            <a:spLocks noGrp="1"/>
+          </p:cNvSpPr>
+          <p:nvPr>
+            <p:ph type="subTitle" idx="1"/>
+          </p:nvPr>
+        </p:nvSpPr>
+        <p:spPr>
+          <a:xfrm>
+            <a:off x="373626" y="1212795"/>
+            <a:ext cx="11336593" cy="830317"/>
+          </a:xfrm>
+        </p:spPr>
+        <p:txBody>
+          <a:bodyPr>
+            <a:noAutofit/>
+          </a:bodyPr>
+          <a:lstStyle/>
+          <a:p>
+            <a:pPr algn="l"/>
+            <a:r>
+              <a:rPr lang="en-US" altLang="zh-CN" sz="1600" b="1" dirty="0" err="1" smtClean="0"/>
+              <a:t>commit.template</a:t>
+            </a:r>
+            <a:endParaRPr lang="en-US" altLang="zh-CN" sz="1600" b="1" dirty="0" smtClean="0"/>
+          </a:p>
+          <a:p>
+            <a:pPr algn="l"/>
+            <a:r>
+              <a:rPr lang="zh-CN" altLang="en-US" sz="1600" dirty="0" smtClean="0"/>
+              <a:t>然后当你提交时，在编辑器中显示的提交信息如下：</a:t>
+            </a:r>
+          </a:p>
+          <a:p>
+            <a:pPr algn="l"/>
+            <a:endParaRPr lang="en-US" altLang="zh-CN" sz="1600" b="1" dirty="0" smtClean="0"/>
+          </a:p>
+        </p:txBody>
+      </p:sp>
+      <p:pic>
+        <p:nvPicPr>
+          <p:cNvPr id="11" name="图片 10" descr="6.png"/>
+          <p:cNvPicPr>
+            <a:picLocks noChangeAspect="1"/>
+          </p:cNvPicPr>
+          <p:nvPr/>
+        </p:nvPicPr>
+        <p:blipFill>
+          <a:blip r:embed="rId2"/>
+          <a:stretch>
+            <a:fillRect/>
+          </a:stretch>
+        </p:blipFill>
+        <p:spPr>
+          <a:xfrm>
+            <a:off x="373626" y="2043112"/>
+            <a:ext cx="6867525" cy="3114675"/>
+          </a:xfrm>
+          <a:prstGeom prst="rect">
+            <a:avLst/>
+          </a:prstGeom>
+        </p:spPr>
+      </p:pic>
+      <p:sp>
+        <p:nvSpPr>
+          <p:cNvPr id="13" name="副标题 2"/>
+          <p:cNvSpPr txBox="1">
+            <a:spLocks/>
+          </p:cNvSpPr>
+          <p:nvPr/>
+        </p:nvSpPr>
+        <p:spPr>
+          <a:xfrm>
+            <a:off x="373626" y="5529263"/>
+            <a:ext cx="11336593" cy="830317"/>
+          </a:xfrm>
+          <a:prstGeom prst="rect">
+            <a:avLst/>
+          </a:prstGeom>
+        </p:spPr>
+        <p:txBody>
+          <a:bodyPr vert="horz" lIns="91440" tIns="45720" rIns="91440" bIns="45720" rtlCol="0">
+            <a:noAutofit/>
+          </a:bodyPr>
+          <a:lstStyle/>
+          <a:p>
+            <a:pPr lvl="0">
+              <a:lnSpc>
+                <a:spcPct val="90000"/>
+              </a:lnSpc>
+              <a:spcBef>
+                <a:spcPts val="1000"/>
+              </a:spcBef>
+            </a:pPr>
+            <a:r>
+              <a:rPr lang="zh-CN" altLang="en-US" sz="1600" dirty="0" smtClean="0"/>
+              <a:t>如果你有特定的策略要运用在提交信息上，在系统上创建一个模板文件，设置 </a:t>
+            </a:r>
+            <a:r>
+              <a:rPr lang="en-US" altLang="zh-CN" sz="1600" dirty="0" err="1" smtClean="0"/>
+              <a:t>Git</a:t>
+            </a:r>
+            <a:r>
+              <a:rPr lang="en-US" altLang="zh-CN" sz="1600" dirty="0" smtClean="0"/>
+              <a:t> </a:t>
+            </a:r>
+            <a:r>
+              <a:rPr lang="zh-CN" altLang="en-US" sz="1600" dirty="0" smtClean="0"/>
+              <a:t>默认使用它，这样当提交时，你的策略每次都会被运用。</a:t>
+            </a:r>
+            <a:endParaRPr kumimoji="0" lang="en-US" altLang="zh-CN" sz="1600" b="1" i="0" u="none" strike="noStrike" kern="1200" cap="none" spc="0" normalizeH="0" baseline="0" noProof="0" dirty="0" smtClean="0">
+              <a:ln>
+                <a:noFill/>
+              </a:ln>
+              <a:solidFill>
+                <a:schemeClr val="tx1"/>
+              </a:solidFill>
+              <a:effectLst/>
+              <a:uLnTx/>
+              <a:uFillTx/>
+              <a:latin typeface="+mn-lt"/>
+              <a:ea typeface="+mn-ea"/>
+              <a:cs typeface="+mn-cs"/>
+            </a:endParaRPr>
+          </a:p>
+        </p:txBody>
+      </p:sp>
+    </p:spTree>
+    <p:extLst>
+      <p:ext uri="{BB962C8B-B14F-4D97-AF65-F5344CB8AC3E}">
+        <p14:creationId xmlns="" xmlns:p14="http://schemas.microsoft.com/office/powerpoint/2010/main" val="1866000081"/>
       </p:ext>
     </p:extLst>
   </p:cSld>
@@ -5281,7 +8535,7 @@
   <a:extraClrSchemeLst/>
   <a:extLst>
     <a:ext uri="{05A4C25C-085E-4340-85A3-A5531E510DB2}">
-      <thm15:themeFamily xmlns:thm15="http://schemas.microsoft.com/office/thememl/2012/main" xmlns="" name="Office Theme" id="{62F939B6-93AF-4DB8-9C6B-D6C7DFDC589F}" vid="{4A3C46E8-61CC-4603-A589-7422A47A8E4A}"/>
+      <thm15:themeFamily xmlns="" xmlns:thm15="http://schemas.microsoft.com/office/thememl/2012/main" name="Office Theme" id="{62F939B6-93AF-4DB8-9C6B-D6C7DFDC589F}" vid="{4A3C46E8-61CC-4603-A589-7422A47A8E4A}"/>
     </a:ext>
   </a:extLst>
 </a:theme>
